--- a/5 сем/ООП Курсач/курсовая.pptx
+++ b/5 сем/ООП Курсач/курсовая.pptx
@@ -8,15 +8,26 @@
     <p:sldId id="256" r:id="rId2"/>
     <p:sldId id="257" r:id="rId3"/>
     <p:sldId id="258" r:id="rId4"/>
-    <p:sldId id="259" r:id="rId5"/>
-    <p:sldId id="260" r:id="rId6"/>
-    <p:sldId id="261" r:id="rId7"/>
-    <p:sldId id="262" r:id="rId8"/>
-    <p:sldId id="263" r:id="rId9"/>
-    <p:sldId id="264" r:id="rId10"/>
-    <p:sldId id="265" r:id="rId11"/>
-    <p:sldId id="266" r:id="rId12"/>
-    <p:sldId id="267" r:id="rId13"/>
+    <p:sldId id="268" r:id="rId5"/>
+    <p:sldId id="259" r:id="rId6"/>
+    <p:sldId id="269" r:id="rId7"/>
+    <p:sldId id="270" r:id="rId8"/>
+    <p:sldId id="271" r:id="rId9"/>
+    <p:sldId id="272" r:id="rId10"/>
+    <p:sldId id="273" r:id="rId11"/>
+    <p:sldId id="260" r:id="rId12"/>
+    <p:sldId id="274" r:id="rId13"/>
+    <p:sldId id="275" r:id="rId14"/>
+    <p:sldId id="276" r:id="rId15"/>
+    <p:sldId id="277" r:id="rId16"/>
+    <p:sldId id="261" r:id="rId17"/>
+    <p:sldId id="263" r:id="rId18"/>
+    <p:sldId id="278" r:id="rId19"/>
+    <p:sldId id="279" r:id="rId20"/>
+    <p:sldId id="280" r:id="rId21"/>
+    <p:sldId id="281" r:id="rId22"/>
+    <p:sldId id="282" r:id="rId23"/>
+    <p:sldId id="283" r:id="rId24"/>
   </p:sldIdLst>
   <p:sldSz cx="12192000" cy="6858000"/>
   <p:notesSz cx="6858000" cy="9144000"/>
@@ -115,6 +126,11 @@
       </a:defRPr>
     </a:lvl9pPr>
   </p:defaultTextStyle>
+  <p:extLst>
+    <p:ext uri="{EFAFB233-063F-42B5-8137-9DF3F51BA10A}">
+      <p15:sldGuideLst xmlns:p15="http://schemas.microsoft.com/office/powerpoint/2012/main"/>
+    </p:ext>
+  </p:extLst>
 </p:presentation>
 </file>
 
@@ -286,7 +302,7 @@
           <a:p>
             <a:fld id="{421CB480-6169-4A98-92D1-01C9250D5A53}" type="datetimeFigureOut">
               <a:rPr lang="ru-RU" smtClean="0"/>
-              <a:t>10.12.2023</a:t>
+              <a:t>18.12.2023</a:t>
             </a:fld>
             <a:endParaRPr lang="ru-RU"/>
           </a:p>
@@ -514,7 +530,7 @@
           <a:p>
             <a:fld id="{421CB480-6169-4A98-92D1-01C9250D5A53}" type="datetimeFigureOut">
               <a:rPr lang="ru-RU" smtClean="0"/>
-              <a:t>10.12.2023</a:t>
+              <a:t>18.12.2023</a:t>
             </a:fld>
             <a:endParaRPr lang="ru-RU"/>
           </a:p>
@@ -694,7 +710,7 @@
           <a:p>
             <a:fld id="{421CB480-6169-4A98-92D1-01C9250D5A53}" type="datetimeFigureOut">
               <a:rPr lang="ru-RU" smtClean="0"/>
-              <a:t>10.12.2023</a:t>
+              <a:t>18.12.2023</a:t>
             </a:fld>
             <a:endParaRPr lang="ru-RU"/>
           </a:p>
@@ -864,7 +880,7 @@
           <a:p>
             <a:fld id="{421CB480-6169-4A98-92D1-01C9250D5A53}" type="datetimeFigureOut">
               <a:rPr lang="ru-RU" smtClean="0"/>
-              <a:t>10.12.2023</a:t>
+              <a:t>18.12.2023</a:t>
             </a:fld>
             <a:endParaRPr lang="ru-RU"/>
           </a:p>
@@ -1118,7 +1134,7 @@
           <a:p>
             <a:fld id="{421CB480-6169-4A98-92D1-01C9250D5A53}" type="datetimeFigureOut">
               <a:rPr lang="ru-RU" smtClean="0"/>
-              <a:t>10.12.2023</a:t>
+              <a:t>18.12.2023</a:t>
             </a:fld>
             <a:endParaRPr lang="ru-RU"/>
           </a:p>
@@ -1444,7 +1460,7 @@
           <a:p>
             <a:fld id="{421CB480-6169-4A98-92D1-01C9250D5A53}" type="datetimeFigureOut">
               <a:rPr lang="ru-RU" smtClean="0"/>
-              <a:t>10.12.2023</a:t>
+              <a:t>18.12.2023</a:t>
             </a:fld>
             <a:endParaRPr lang="ru-RU"/>
           </a:p>
@@ -1895,7 +1911,7 @@
           <a:p>
             <a:fld id="{421CB480-6169-4A98-92D1-01C9250D5A53}" type="datetimeFigureOut">
               <a:rPr lang="ru-RU" smtClean="0"/>
-              <a:t>10.12.2023</a:t>
+              <a:t>18.12.2023</a:t>
             </a:fld>
             <a:endParaRPr lang="ru-RU"/>
           </a:p>
@@ -2013,7 +2029,7 @@
           <a:p>
             <a:fld id="{421CB480-6169-4A98-92D1-01C9250D5A53}" type="datetimeFigureOut">
               <a:rPr lang="ru-RU" smtClean="0"/>
-              <a:t>10.12.2023</a:t>
+              <a:t>18.12.2023</a:t>
             </a:fld>
             <a:endParaRPr lang="ru-RU"/>
           </a:p>
@@ -2108,7 +2124,7 @@
           <a:p>
             <a:fld id="{421CB480-6169-4A98-92D1-01C9250D5A53}" type="datetimeFigureOut">
               <a:rPr lang="ru-RU" smtClean="0"/>
-              <a:t>10.12.2023</a:t>
+              <a:t>18.12.2023</a:t>
             </a:fld>
             <a:endParaRPr lang="ru-RU"/>
           </a:p>
@@ -2395,7 +2411,7 @@
           <a:p>
             <a:fld id="{421CB480-6169-4A98-92D1-01C9250D5A53}" type="datetimeFigureOut">
               <a:rPr lang="ru-RU" smtClean="0"/>
-              <a:t>10.12.2023</a:t>
+              <a:t>18.12.2023</a:t>
             </a:fld>
             <a:endParaRPr lang="ru-RU"/>
           </a:p>
@@ -2717,7 +2733,7 @@
           <a:p>
             <a:fld id="{421CB480-6169-4A98-92D1-01C9250D5A53}" type="datetimeFigureOut">
               <a:rPr lang="ru-RU" smtClean="0"/>
-              <a:t>10.12.2023</a:t>
+              <a:t>18.12.2023</a:t>
             </a:fld>
             <a:endParaRPr lang="ru-RU"/>
           </a:p>
@@ -2971,7 +2987,7 @@
           <a:p>
             <a:fld id="{421CB480-6169-4A98-92D1-01C9250D5A53}" type="datetimeFigureOut">
               <a:rPr lang="ru-RU" smtClean="0"/>
-              <a:t>10.12.2023</a:t>
+              <a:t>18.12.2023</a:t>
             </a:fld>
             <a:endParaRPr lang="ru-RU"/>
           </a:p>
@@ -3550,7 +3566,7 @@
           <p:cNvPr id="2" name="Заголовок 1">
             <a:extLst>
               <a:ext uri="{FF2B5EF4-FFF2-40B4-BE49-F238E27FC236}">
-                <a16:creationId xmlns:a16="http://schemas.microsoft.com/office/drawing/2014/main" id="{DAD31E30-B37C-4268-9795-3C4EBC659D95}"/>
+                <a16:creationId xmlns:a16="http://schemas.microsoft.com/office/drawing/2014/main" id="{06E8AC78-48A7-4548-BAA7-9B41D34C3FB7}"/>
               </a:ext>
             </a:extLst>
           </p:cNvPr>
@@ -3570,45 +3586,65 @@
           </a:p>
         </p:txBody>
       </p:sp>
+      <p:sp>
+        <p:nvSpPr>
+          <p:cNvPr id="3" name="Объект 2">
+            <a:extLst>
+              <a:ext uri="{FF2B5EF4-FFF2-40B4-BE49-F238E27FC236}">
+                <a16:creationId xmlns:a16="http://schemas.microsoft.com/office/drawing/2014/main" id="{E3CA33FD-A852-47D7-9354-C3C1340A7E7C}"/>
+              </a:ext>
+            </a:extLst>
+          </p:cNvPr>
+          <p:cNvSpPr>
+            <a:spLocks noGrp="1"/>
+          </p:cNvSpPr>
+          <p:nvPr>
+            <p:ph idx="1"/>
+          </p:nvPr>
+        </p:nvSpPr>
+        <p:spPr/>
+        <p:txBody>
+          <a:bodyPr/>
+          <a:lstStyle/>
+          <a:p>
+            <a:endParaRPr lang="ru-RU" dirty="0"/>
+          </a:p>
+        </p:txBody>
+      </p:sp>
       <p:pic>
         <p:nvPicPr>
-          <p:cNvPr id="5" name="Объект 4">
+          <p:cNvPr id="5" name="Рисунок 4">
             <a:extLst>
               <a:ext uri="{FF2B5EF4-FFF2-40B4-BE49-F238E27FC236}">
-                <a16:creationId xmlns:a16="http://schemas.microsoft.com/office/drawing/2014/main" id="{43EA7A92-9468-4E52-B93F-51FE3B036DED}"/>
+                <a16:creationId xmlns:a16="http://schemas.microsoft.com/office/drawing/2014/main" id="{13968877-C85F-454F-94C7-5E16EA9755B3}"/>
               </a:ext>
             </a:extLst>
           </p:cNvPr>
           <p:cNvPicPr>
-            <a:picLocks noGrp="1" noChangeAspect="1"/>
+            <a:picLocks noChangeAspect="1"/>
           </p:cNvPicPr>
-          <p:nvPr>
-            <p:ph idx="1"/>
-          </p:nvPr>
+          <p:nvPr/>
         </p:nvPicPr>
         <p:blipFill>
-          <a:blip r:embed="rId2">
-            <a:extLst>
-              <a:ext uri="{28A0092B-C50C-407E-A947-70E740481C1C}">
-                <a14:useLocalDpi xmlns:a14="http://schemas.microsoft.com/office/drawing/2010/main" val="0"/>
-              </a:ext>
-            </a:extLst>
-          </a:blip>
+          <a:blip r:embed="rId2"/>
           <a:stretch>
             <a:fillRect/>
           </a:stretch>
         </p:blipFill>
         <p:spPr>
           <a:xfrm>
-            <a:off x="638230" y="365759"/>
-            <a:ext cx="10291898" cy="6226891"/>
+            <a:off x="472651" y="558441"/>
+            <a:ext cx="10470365" cy="4662916"/>
           </a:xfrm>
+          <a:prstGeom prst="rect">
+            <a:avLst/>
+          </a:prstGeom>
         </p:spPr>
       </p:pic>
     </p:spTree>
     <p:extLst>
       <p:ext uri="{BB962C8B-B14F-4D97-AF65-F5344CB8AC3E}">
-        <p14:creationId xmlns:p14="http://schemas.microsoft.com/office/powerpoint/2010/main" val="1864637368"/>
+        <p14:creationId xmlns:p14="http://schemas.microsoft.com/office/powerpoint/2010/main" val="1195298237"/>
       </p:ext>
     </p:extLst>
   </p:cSld>
@@ -3640,7 +3676,7 @@
           <p:cNvPr id="2" name="Заголовок 1">
             <a:extLst>
               <a:ext uri="{FF2B5EF4-FFF2-40B4-BE49-F238E27FC236}">
-                <a16:creationId xmlns:a16="http://schemas.microsoft.com/office/drawing/2014/main" id="{0960EE49-64A7-4D88-A9F6-FEC7BE793CD9}"/>
+                <a16:creationId xmlns:a16="http://schemas.microsoft.com/office/drawing/2014/main" id="{805B546E-B340-44D8-82D4-FA5C92B9C1D4}"/>
               </a:ext>
             </a:extLst>
           </p:cNvPr>
@@ -3656,49 +3692,63 @@
           <a:bodyPr/>
           <a:lstStyle/>
           <a:p>
-            <a:endParaRPr lang="ru-RU"/>
-          </a:p>
-        </p:txBody>
-      </p:sp>
-      <p:pic>
-        <p:nvPicPr>
-          <p:cNvPr id="5" name="Объект 4">
+            <a:r>
+              <a:rPr lang="ru-RU" dirty="0"/>
+              <a:t>Управляющие классы</a:t>
+            </a:r>
+          </a:p>
+        </p:txBody>
+      </p:sp>
+      <p:sp>
+        <p:nvSpPr>
+          <p:cNvPr id="3" name="Объект 2">
             <a:extLst>
               <a:ext uri="{FF2B5EF4-FFF2-40B4-BE49-F238E27FC236}">
-                <a16:creationId xmlns:a16="http://schemas.microsoft.com/office/drawing/2014/main" id="{509F1757-1BA2-4EFA-9F55-F3E6B0D934E9}"/>
+                <a16:creationId xmlns:a16="http://schemas.microsoft.com/office/drawing/2014/main" id="{DB84EDF3-5009-45A6-984E-C67673470053}"/>
               </a:ext>
             </a:extLst>
           </p:cNvPr>
-          <p:cNvPicPr>
-            <a:picLocks noGrp="1" noChangeAspect="1"/>
-          </p:cNvPicPr>
+          <p:cNvSpPr>
+            <a:spLocks noGrp="1"/>
+          </p:cNvSpPr>
           <p:nvPr>
             <p:ph idx="1"/>
           </p:nvPr>
-        </p:nvPicPr>
-        <p:blipFill>
-          <a:blip r:embed="rId2">
-            <a:extLst>
-              <a:ext uri="{28A0092B-C50C-407E-A947-70E740481C1C}">
-                <a14:useLocalDpi xmlns:a14="http://schemas.microsoft.com/office/drawing/2010/main" val="0"/>
-              </a:ext>
-            </a:extLst>
-          </a:blip>
-          <a:stretch>
-            <a:fillRect/>
-          </a:stretch>
-        </p:blipFill>
-        <p:spPr>
-          <a:xfrm>
-            <a:off x="317819" y="365759"/>
-            <a:ext cx="10760997" cy="6388799"/>
-          </a:xfrm>
-        </p:spPr>
-      </p:pic>
+        </p:nvSpPr>
+        <p:spPr/>
+        <p:txBody>
+          <a:bodyPr/>
+          <a:lstStyle/>
+          <a:p>
+            <a:r>
+              <a:rPr lang="en-US" dirty="0" err="1"/>
+              <a:t>Widget.h</a:t>
+            </a:r>
+            <a:endParaRPr lang="en-US" dirty="0"/>
+          </a:p>
+          <a:p>
+            <a:r>
+              <a:rPr lang="en-US" dirty="0" err="1"/>
+              <a:t>Shop.h</a:t>
+            </a:r>
+            <a:endParaRPr lang="en-US" dirty="0"/>
+          </a:p>
+          <a:p>
+            <a:r>
+              <a:rPr lang="en-US" dirty="0" err="1"/>
+              <a:t>Strategy.h</a:t>
+            </a:r>
+            <a:endParaRPr lang="en-US" dirty="0"/>
+          </a:p>
+          <a:p>
+            <a:endParaRPr lang="ru-RU" dirty="0"/>
+          </a:p>
+        </p:txBody>
+      </p:sp>
     </p:spTree>
     <p:extLst>
       <p:ext uri="{BB962C8B-B14F-4D97-AF65-F5344CB8AC3E}">
-        <p14:creationId xmlns:p14="http://schemas.microsoft.com/office/powerpoint/2010/main" val="472677395"/>
+        <p14:creationId xmlns:p14="http://schemas.microsoft.com/office/powerpoint/2010/main" val="1294649007"/>
       </p:ext>
     </p:extLst>
   </p:cSld>
@@ -3730,7 +3780,718 @@
           <p:cNvPr id="2" name="Заголовок 1">
             <a:extLst>
               <a:ext uri="{FF2B5EF4-FFF2-40B4-BE49-F238E27FC236}">
-                <a16:creationId xmlns:a16="http://schemas.microsoft.com/office/drawing/2014/main" id="{CFD469A7-340D-41C6-AF6A-08D66A84B872}"/>
+                <a16:creationId xmlns:a16="http://schemas.microsoft.com/office/drawing/2014/main" id="{9B2FA5D6-4D81-4FEF-9762-14FFC3F431BE}"/>
+              </a:ext>
+            </a:extLst>
+          </p:cNvPr>
+          <p:cNvSpPr>
+            <a:spLocks noGrp="1"/>
+          </p:cNvSpPr>
+          <p:nvPr>
+            <p:ph type="title"/>
+          </p:nvPr>
+        </p:nvSpPr>
+        <p:spPr/>
+        <p:txBody>
+          <a:bodyPr/>
+          <a:lstStyle/>
+          <a:p>
+            <a:r>
+              <a:rPr lang="ru-RU" dirty="0"/>
+              <a:t>Класс </a:t>
+            </a:r>
+            <a:r>
+              <a:rPr lang="en-US" dirty="0"/>
+              <a:t>shop</a:t>
+            </a:r>
+            <a:endParaRPr lang="ru-RU" dirty="0"/>
+          </a:p>
+        </p:txBody>
+      </p:sp>
+      <p:sp>
+        <p:nvSpPr>
+          <p:cNvPr id="3" name="Объект 2">
+            <a:extLst>
+              <a:ext uri="{FF2B5EF4-FFF2-40B4-BE49-F238E27FC236}">
+                <a16:creationId xmlns:a16="http://schemas.microsoft.com/office/drawing/2014/main" id="{5675F1D8-A647-47A3-86AE-A58C91601DD6}"/>
+              </a:ext>
+            </a:extLst>
+          </p:cNvPr>
+          <p:cNvSpPr>
+            <a:spLocks noGrp="1"/>
+          </p:cNvSpPr>
+          <p:nvPr>
+            <p:ph idx="1"/>
+          </p:nvPr>
+        </p:nvSpPr>
+        <p:spPr/>
+        <p:txBody>
+          <a:bodyPr/>
+          <a:lstStyle/>
+          <a:p>
+            <a:r>
+              <a:rPr lang="en-US" dirty="0"/>
+              <a:t>shop</a:t>
+            </a:r>
+            <a:r>
+              <a:rPr lang="ru-RU" dirty="0"/>
+              <a:t> представляет магазин фильмов и хранит каталог доступных к прокату фильмов. У него есть методы для добавления новых фильмов в каталог, а также для получения информации о фильмах в зависимости от различных критериев, таких как автор, год выпуска и рейтинг. Каталог фильмов управляется объектом класса </a:t>
+            </a:r>
+          </a:p>
+        </p:txBody>
+      </p:sp>
+      <p:pic>
+        <p:nvPicPr>
+          <p:cNvPr id="9" name="Рисунок 8">
+            <a:extLst>
+              <a:ext uri="{FF2B5EF4-FFF2-40B4-BE49-F238E27FC236}">
+                <a16:creationId xmlns:a16="http://schemas.microsoft.com/office/drawing/2014/main" id="{E65BA6DF-DA0A-4829-8890-29C403B0D788}"/>
+              </a:ext>
+            </a:extLst>
+          </p:cNvPr>
+          <p:cNvPicPr>
+            <a:picLocks noChangeAspect="1"/>
+          </p:cNvPicPr>
+          <p:nvPr/>
+        </p:nvPicPr>
+        <p:blipFill>
+          <a:blip r:embed="rId2"/>
+          <a:stretch>
+            <a:fillRect/>
+          </a:stretch>
+        </p:blipFill>
+        <p:spPr>
+          <a:xfrm>
+            <a:off x="1482130" y="3304000"/>
+            <a:ext cx="8154844" cy="3188240"/>
+          </a:xfrm>
+          <a:prstGeom prst="rect">
+            <a:avLst/>
+          </a:prstGeom>
+        </p:spPr>
+      </p:pic>
+    </p:spTree>
+    <p:extLst>
+      <p:ext uri="{BB962C8B-B14F-4D97-AF65-F5344CB8AC3E}">
+        <p14:creationId xmlns:p14="http://schemas.microsoft.com/office/powerpoint/2010/main" val="1368670856"/>
+      </p:ext>
+    </p:extLst>
+  </p:cSld>
+  <p:clrMapOvr>
+    <a:masterClrMapping/>
+  </p:clrMapOvr>
+</p:sld>
+</file>
+
+<file path=ppt/slides/slide13.xml><?xml version="1.0" encoding="utf-8"?>
+<p:sld xmlns:a="http://schemas.openxmlformats.org/drawingml/2006/main" xmlns:r="http://schemas.openxmlformats.org/officeDocument/2006/relationships" xmlns:p="http://schemas.openxmlformats.org/presentationml/2006/main">
+  <p:cSld>
+    <p:spTree>
+      <p:nvGrpSpPr>
+        <p:cNvPr id="1" name=""/>
+        <p:cNvGrpSpPr/>
+        <p:nvPr/>
+      </p:nvGrpSpPr>
+      <p:grpSpPr>
+        <a:xfrm>
+          <a:off x="0" y="0"/>
+          <a:ext cx="0" cy="0"/>
+          <a:chOff x="0" y="0"/>
+          <a:chExt cx="0" cy="0"/>
+        </a:xfrm>
+      </p:grpSpPr>
+      <p:sp>
+        <p:nvSpPr>
+          <p:cNvPr id="2" name="Заголовок 1">
+            <a:extLst>
+              <a:ext uri="{FF2B5EF4-FFF2-40B4-BE49-F238E27FC236}">
+                <a16:creationId xmlns:a16="http://schemas.microsoft.com/office/drawing/2014/main" id="{E3239037-DACC-4687-AB17-43863FC94219}"/>
+              </a:ext>
+            </a:extLst>
+          </p:cNvPr>
+          <p:cNvSpPr>
+            <a:spLocks noGrp="1"/>
+          </p:cNvSpPr>
+          <p:nvPr>
+            <p:ph type="title"/>
+          </p:nvPr>
+        </p:nvSpPr>
+        <p:spPr/>
+        <p:txBody>
+          <a:bodyPr/>
+          <a:lstStyle/>
+          <a:p>
+            <a:r>
+              <a:rPr lang="ru-RU" dirty="0"/>
+              <a:t>Класс </a:t>
+            </a:r>
+            <a:r>
+              <a:rPr lang="en-US" dirty="0"/>
+              <a:t>subscriber</a:t>
+            </a:r>
+            <a:endParaRPr lang="ru-RU" dirty="0"/>
+          </a:p>
+        </p:txBody>
+      </p:sp>
+      <p:sp>
+        <p:nvSpPr>
+          <p:cNvPr id="3" name="Объект 2">
+            <a:extLst>
+              <a:ext uri="{FF2B5EF4-FFF2-40B4-BE49-F238E27FC236}">
+                <a16:creationId xmlns:a16="http://schemas.microsoft.com/office/drawing/2014/main" id="{AE168371-DE4C-46F4-929E-E04F14ECDB51}"/>
+              </a:ext>
+            </a:extLst>
+          </p:cNvPr>
+          <p:cNvSpPr>
+            <a:spLocks noGrp="1"/>
+          </p:cNvSpPr>
+          <p:nvPr>
+            <p:ph idx="1"/>
+          </p:nvPr>
+        </p:nvSpPr>
+        <p:spPr/>
+        <p:txBody>
+          <a:bodyPr/>
+          <a:lstStyle/>
+          <a:p>
+            <a:r>
+              <a:rPr lang="ru-RU" dirty="0"/>
+              <a:t>представляет абонента магазина. Он содержит информацию о зарегистрированных пользователях, такую как идентификатор и ФИО. Этот класс позволяет регистрировать новых пользователей и осуществлять поиск пользователя по его идентификатору.</a:t>
+            </a:r>
+          </a:p>
+        </p:txBody>
+      </p:sp>
+      <p:pic>
+        <p:nvPicPr>
+          <p:cNvPr id="5" name="Рисунок 4">
+            <a:extLst>
+              <a:ext uri="{FF2B5EF4-FFF2-40B4-BE49-F238E27FC236}">
+                <a16:creationId xmlns:a16="http://schemas.microsoft.com/office/drawing/2014/main" id="{A05B5ED2-4C8F-42DF-9290-328B5DF23454}"/>
+              </a:ext>
+            </a:extLst>
+          </p:cNvPr>
+          <p:cNvPicPr>
+            <a:picLocks noChangeAspect="1"/>
+          </p:cNvPicPr>
+          <p:nvPr/>
+        </p:nvPicPr>
+        <p:blipFill>
+          <a:blip r:embed="rId2"/>
+          <a:stretch>
+            <a:fillRect/>
+          </a:stretch>
+        </p:blipFill>
+        <p:spPr>
+          <a:xfrm>
+            <a:off x="1268817" y="3429000"/>
+            <a:ext cx="8837709" cy="2679149"/>
+          </a:xfrm>
+          <a:prstGeom prst="rect">
+            <a:avLst/>
+          </a:prstGeom>
+        </p:spPr>
+      </p:pic>
+    </p:spTree>
+    <p:extLst>
+      <p:ext uri="{BB962C8B-B14F-4D97-AF65-F5344CB8AC3E}">
+        <p14:creationId xmlns:p14="http://schemas.microsoft.com/office/powerpoint/2010/main" val="2174462584"/>
+      </p:ext>
+    </p:extLst>
+  </p:cSld>
+  <p:clrMapOvr>
+    <a:masterClrMapping/>
+  </p:clrMapOvr>
+</p:sld>
+</file>
+
+<file path=ppt/slides/slide14.xml><?xml version="1.0" encoding="utf-8"?>
+<p:sld xmlns:a="http://schemas.openxmlformats.org/drawingml/2006/main" xmlns:r="http://schemas.openxmlformats.org/officeDocument/2006/relationships" xmlns:p="http://schemas.openxmlformats.org/presentationml/2006/main">
+  <p:cSld>
+    <p:spTree>
+      <p:nvGrpSpPr>
+        <p:cNvPr id="1" name=""/>
+        <p:cNvGrpSpPr/>
+        <p:nvPr/>
+      </p:nvGrpSpPr>
+      <p:grpSpPr>
+        <a:xfrm>
+          <a:off x="0" y="0"/>
+          <a:ext cx="0" cy="0"/>
+          <a:chOff x="0" y="0"/>
+          <a:chExt cx="0" cy="0"/>
+        </a:xfrm>
+      </p:grpSpPr>
+      <p:sp>
+        <p:nvSpPr>
+          <p:cNvPr id="2" name="Заголовок 1">
+            <a:extLst>
+              <a:ext uri="{FF2B5EF4-FFF2-40B4-BE49-F238E27FC236}">
+                <a16:creationId xmlns:a16="http://schemas.microsoft.com/office/drawing/2014/main" id="{30EC61AD-3ACF-48B0-9583-C7DE222D20EA}"/>
+              </a:ext>
+            </a:extLst>
+          </p:cNvPr>
+          <p:cNvSpPr>
+            <a:spLocks noGrp="1"/>
+          </p:cNvSpPr>
+          <p:nvPr>
+            <p:ph type="title"/>
+          </p:nvPr>
+        </p:nvSpPr>
+        <p:spPr/>
+        <p:txBody>
+          <a:bodyPr/>
+          <a:lstStyle/>
+          <a:p>
+            <a:r>
+              <a:rPr lang="ru-RU" dirty="0"/>
+              <a:t>Класс </a:t>
+            </a:r>
+            <a:r>
+              <a:rPr lang="en-US" dirty="0" err="1"/>
+              <a:t>rentalMovies</a:t>
+            </a:r>
+            <a:endParaRPr lang="ru-RU" dirty="0"/>
+          </a:p>
+        </p:txBody>
+      </p:sp>
+      <p:sp>
+        <p:nvSpPr>
+          <p:cNvPr id="3" name="Объект 2">
+            <a:extLst>
+              <a:ext uri="{FF2B5EF4-FFF2-40B4-BE49-F238E27FC236}">
+                <a16:creationId xmlns:a16="http://schemas.microsoft.com/office/drawing/2014/main" id="{7EA8B6BF-32EC-4269-892A-DB9B7C01269D}"/>
+              </a:ext>
+            </a:extLst>
+          </p:cNvPr>
+          <p:cNvSpPr>
+            <a:spLocks noGrp="1"/>
+          </p:cNvSpPr>
+          <p:nvPr>
+            <p:ph idx="1"/>
+          </p:nvPr>
+        </p:nvSpPr>
+        <p:spPr/>
+        <p:txBody>
+          <a:bodyPr/>
+          <a:lstStyle/>
+          <a:p>
+            <a:r>
+              <a:rPr lang="ru-RU" dirty="0"/>
+              <a:t>управляет процессом аренды фильмов. Он содержит информацию о зарезервированных фильмах, а также методы для добавления и возврата фильмов. Этот класс использует объекты класса </a:t>
+            </a:r>
+          </a:p>
+        </p:txBody>
+      </p:sp>
+      <p:pic>
+        <p:nvPicPr>
+          <p:cNvPr id="5" name="Рисунок 4">
+            <a:extLst>
+              <a:ext uri="{FF2B5EF4-FFF2-40B4-BE49-F238E27FC236}">
+                <a16:creationId xmlns:a16="http://schemas.microsoft.com/office/drawing/2014/main" id="{93A23BCA-09E7-4B53-B1F8-91F903B5A29E}"/>
+              </a:ext>
+            </a:extLst>
+          </p:cNvPr>
+          <p:cNvPicPr>
+            <a:picLocks noChangeAspect="1"/>
+          </p:cNvPicPr>
+          <p:nvPr/>
+        </p:nvPicPr>
+        <p:blipFill>
+          <a:blip r:embed="rId2"/>
+          <a:stretch>
+            <a:fillRect/>
+          </a:stretch>
+        </p:blipFill>
+        <p:spPr>
+          <a:xfrm>
+            <a:off x="1508580" y="2994553"/>
+            <a:ext cx="8101944" cy="3323062"/>
+          </a:xfrm>
+          <a:prstGeom prst="rect">
+            <a:avLst/>
+          </a:prstGeom>
+        </p:spPr>
+      </p:pic>
+    </p:spTree>
+    <p:extLst>
+      <p:ext uri="{BB962C8B-B14F-4D97-AF65-F5344CB8AC3E}">
+        <p14:creationId xmlns:p14="http://schemas.microsoft.com/office/powerpoint/2010/main" val="710246881"/>
+      </p:ext>
+    </p:extLst>
+  </p:cSld>
+  <p:clrMapOvr>
+    <a:masterClrMapping/>
+  </p:clrMapOvr>
+</p:sld>
+</file>
+
+<file path=ppt/slides/slide15.xml><?xml version="1.0" encoding="utf-8"?>
+<p:sld xmlns:a="http://schemas.openxmlformats.org/drawingml/2006/main" xmlns:r="http://schemas.openxmlformats.org/officeDocument/2006/relationships" xmlns:p="http://schemas.openxmlformats.org/presentationml/2006/main">
+  <p:cSld>
+    <p:spTree>
+      <p:nvGrpSpPr>
+        <p:cNvPr id="1" name=""/>
+        <p:cNvGrpSpPr/>
+        <p:nvPr/>
+      </p:nvGrpSpPr>
+      <p:grpSpPr>
+        <a:xfrm>
+          <a:off x="0" y="0"/>
+          <a:ext cx="0" cy="0"/>
+          <a:chOff x="0" y="0"/>
+          <a:chExt cx="0" cy="0"/>
+        </a:xfrm>
+      </p:grpSpPr>
+      <p:sp>
+        <p:nvSpPr>
+          <p:cNvPr id="2" name="Заголовок 1">
+            <a:extLst>
+              <a:ext uri="{FF2B5EF4-FFF2-40B4-BE49-F238E27FC236}">
+                <a16:creationId xmlns:a16="http://schemas.microsoft.com/office/drawing/2014/main" id="{E699837E-565F-4342-B91F-72D437BA4C62}"/>
+              </a:ext>
+            </a:extLst>
+          </p:cNvPr>
+          <p:cNvSpPr>
+            <a:spLocks noGrp="1"/>
+          </p:cNvSpPr>
+          <p:nvPr>
+            <p:ph type="title"/>
+          </p:nvPr>
+        </p:nvSpPr>
+        <p:spPr/>
+        <p:txBody>
+          <a:bodyPr/>
+          <a:lstStyle/>
+          <a:p>
+            <a:r>
+              <a:rPr lang="ru-RU" dirty="0"/>
+              <a:t>Класс </a:t>
+            </a:r>
+            <a:r>
+              <a:rPr lang="en-US" dirty="0"/>
+              <a:t>Widget</a:t>
+            </a:r>
+            <a:endParaRPr lang="ru-RU" dirty="0"/>
+          </a:p>
+        </p:txBody>
+      </p:sp>
+      <p:sp>
+        <p:nvSpPr>
+          <p:cNvPr id="3" name="Объект 2">
+            <a:extLst>
+              <a:ext uri="{FF2B5EF4-FFF2-40B4-BE49-F238E27FC236}">
+                <a16:creationId xmlns:a16="http://schemas.microsoft.com/office/drawing/2014/main" id="{DB3BBABB-1F95-4055-A368-027A1086D330}"/>
+              </a:ext>
+            </a:extLst>
+          </p:cNvPr>
+          <p:cNvSpPr>
+            <a:spLocks noGrp="1"/>
+          </p:cNvSpPr>
+          <p:nvPr>
+            <p:ph idx="1"/>
+          </p:nvPr>
+        </p:nvSpPr>
+        <p:spPr/>
+        <p:txBody>
+          <a:bodyPr/>
+          <a:lstStyle/>
+          <a:p>
+            <a:r>
+              <a:rPr lang="ru-RU" dirty="0"/>
+              <a:t>представляет графический интерфейс пользователя. Он содержит методы для обработки событий, таких как регистрация пользователя, аренда и возврат фильмов, а также отображение информации о фильмах, пользователях и арендах на интерфейсе.</a:t>
+            </a:r>
+          </a:p>
+        </p:txBody>
+      </p:sp>
+      <p:pic>
+        <p:nvPicPr>
+          <p:cNvPr id="5" name="Рисунок 4">
+            <a:extLst>
+              <a:ext uri="{FF2B5EF4-FFF2-40B4-BE49-F238E27FC236}">
+                <a16:creationId xmlns:a16="http://schemas.microsoft.com/office/drawing/2014/main" id="{31073F58-1F08-46DC-93B5-D640D41CDE23}"/>
+              </a:ext>
+            </a:extLst>
+          </p:cNvPr>
+          <p:cNvPicPr>
+            <a:picLocks noChangeAspect="1"/>
+          </p:cNvPicPr>
+          <p:nvPr/>
+        </p:nvPicPr>
+        <p:blipFill>
+          <a:blip r:embed="rId2"/>
+          <a:stretch>
+            <a:fillRect/>
+          </a:stretch>
+        </p:blipFill>
+        <p:spPr>
+          <a:xfrm>
+            <a:off x="1554774" y="3142364"/>
+            <a:ext cx="7026517" cy="3505638"/>
+          </a:xfrm>
+          <a:prstGeom prst="rect">
+            <a:avLst/>
+          </a:prstGeom>
+        </p:spPr>
+      </p:pic>
+    </p:spTree>
+    <p:extLst>
+      <p:ext uri="{BB962C8B-B14F-4D97-AF65-F5344CB8AC3E}">
+        <p14:creationId xmlns:p14="http://schemas.microsoft.com/office/powerpoint/2010/main" val="1925529341"/>
+      </p:ext>
+    </p:extLst>
+  </p:cSld>
+  <p:clrMapOvr>
+    <a:masterClrMapping/>
+  </p:clrMapOvr>
+</p:sld>
+</file>
+
+<file path=ppt/slides/slide16.xml><?xml version="1.0" encoding="utf-8"?>
+<p:sld xmlns:a="http://schemas.openxmlformats.org/drawingml/2006/main" xmlns:r="http://schemas.openxmlformats.org/officeDocument/2006/relationships" xmlns:p="http://schemas.openxmlformats.org/presentationml/2006/main">
+  <p:cSld>
+    <p:spTree>
+      <p:nvGrpSpPr>
+        <p:cNvPr id="1" name=""/>
+        <p:cNvGrpSpPr/>
+        <p:nvPr/>
+      </p:nvGrpSpPr>
+      <p:grpSpPr>
+        <a:xfrm>
+          <a:off x="0" y="0"/>
+          <a:ext cx="0" cy="0"/>
+          <a:chOff x="0" y="0"/>
+          <a:chExt cx="0" cy="0"/>
+        </a:xfrm>
+      </p:grpSpPr>
+      <p:sp>
+        <p:nvSpPr>
+          <p:cNvPr id="2" name="Заголовок 1">
+            <a:extLst>
+              <a:ext uri="{FF2B5EF4-FFF2-40B4-BE49-F238E27FC236}">
+                <a16:creationId xmlns:a16="http://schemas.microsoft.com/office/drawing/2014/main" id="{C3E930C3-1637-4D59-8F0E-E2CAAF9686E4}"/>
+              </a:ext>
+            </a:extLst>
+          </p:cNvPr>
+          <p:cNvSpPr>
+            <a:spLocks noGrp="1"/>
+          </p:cNvSpPr>
+          <p:nvPr>
+            <p:ph type="title"/>
+          </p:nvPr>
+        </p:nvSpPr>
+        <p:spPr/>
+        <p:txBody>
+          <a:bodyPr/>
+          <a:lstStyle/>
+          <a:p>
+            <a:r>
+              <a:rPr lang="ru-RU" dirty="0"/>
+              <a:t>Разработка интерфейса</a:t>
+            </a:r>
+          </a:p>
+        </p:txBody>
+      </p:sp>
+      <p:sp>
+        <p:nvSpPr>
+          <p:cNvPr id="4" name="Объект 3">
+            <a:extLst>
+              <a:ext uri="{FF2B5EF4-FFF2-40B4-BE49-F238E27FC236}">
+                <a16:creationId xmlns:a16="http://schemas.microsoft.com/office/drawing/2014/main" id="{413F02FB-17A3-4623-9CAE-AA77E272D681}"/>
+              </a:ext>
+            </a:extLst>
+          </p:cNvPr>
+          <p:cNvSpPr>
+            <a:spLocks noGrp="1"/>
+          </p:cNvSpPr>
+          <p:nvPr>
+            <p:ph idx="1"/>
+          </p:nvPr>
+        </p:nvSpPr>
+        <p:spPr/>
+        <p:txBody>
+          <a:bodyPr/>
+          <a:lstStyle/>
+          <a:p>
+            <a:endParaRPr lang="ru-RU"/>
+          </a:p>
+        </p:txBody>
+      </p:sp>
+      <p:pic>
+        <p:nvPicPr>
+          <p:cNvPr id="7" name="Рисунок 6">
+            <a:extLst>
+              <a:ext uri="{FF2B5EF4-FFF2-40B4-BE49-F238E27FC236}">
+                <a16:creationId xmlns:a16="http://schemas.microsoft.com/office/drawing/2014/main" id="{ECF3843C-A8BB-43E8-A5C7-F4167770BA53}"/>
+              </a:ext>
+            </a:extLst>
+          </p:cNvPr>
+          <p:cNvPicPr>
+            <a:picLocks noChangeAspect="1"/>
+          </p:cNvPicPr>
+          <p:nvPr/>
+        </p:nvPicPr>
+        <p:blipFill>
+          <a:blip r:embed="rId2"/>
+          <a:stretch>
+            <a:fillRect/>
+          </a:stretch>
+        </p:blipFill>
+        <p:spPr>
+          <a:xfrm>
+            <a:off x="908874" y="0"/>
+            <a:ext cx="10374252" cy="6858000"/>
+          </a:xfrm>
+          <a:prstGeom prst="rect">
+            <a:avLst/>
+          </a:prstGeom>
+        </p:spPr>
+      </p:pic>
+    </p:spTree>
+    <p:extLst>
+      <p:ext uri="{BB962C8B-B14F-4D97-AF65-F5344CB8AC3E}">
+        <p14:creationId xmlns:p14="http://schemas.microsoft.com/office/powerpoint/2010/main" val="3533305307"/>
+      </p:ext>
+    </p:extLst>
+  </p:cSld>
+  <p:clrMapOvr>
+    <a:masterClrMapping/>
+  </p:clrMapOvr>
+</p:sld>
+</file>
+
+<file path=ppt/slides/slide17.xml><?xml version="1.0" encoding="utf-8"?>
+<p:sld xmlns:a="http://schemas.openxmlformats.org/drawingml/2006/main" xmlns:r="http://schemas.openxmlformats.org/officeDocument/2006/relationships" xmlns:p="http://schemas.openxmlformats.org/presentationml/2006/main">
+  <p:cSld>
+    <p:spTree>
+      <p:nvGrpSpPr>
+        <p:cNvPr id="1" name=""/>
+        <p:cNvGrpSpPr/>
+        <p:nvPr/>
+      </p:nvGrpSpPr>
+      <p:grpSpPr>
+        <a:xfrm>
+          <a:off x="0" y="0"/>
+          <a:ext cx="0" cy="0"/>
+          <a:chOff x="0" y="0"/>
+          <a:chExt cx="0" cy="0"/>
+        </a:xfrm>
+      </p:grpSpPr>
+      <p:sp>
+        <p:nvSpPr>
+          <p:cNvPr id="2" name="Заголовок 1">
+            <a:extLst>
+              <a:ext uri="{FF2B5EF4-FFF2-40B4-BE49-F238E27FC236}">
+                <a16:creationId xmlns:a16="http://schemas.microsoft.com/office/drawing/2014/main" id="{8CCD4530-7DD5-4350-A117-6E9F055532CF}"/>
+              </a:ext>
+            </a:extLst>
+          </p:cNvPr>
+          <p:cNvSpPr>
+            <a:spLocks noGrp="1"/>
+          </p:cNvSpPr>
+          <p:nvPr>
+            <p:ph type="title"/>
+          </p:nvPr>
+        </p:nvSpPr>
+        <p:spPr/>
+        <p:txBody>
+          <a:bodyPr/>
+          <a:lstStyle/>
+          <a:p>
+            <a:endParaRPr lang="ru-RU"/>
+          </a:p>
+        </p:txBody>
+      </p:sp>
+      <p:sp>
+        <p:nvSpPr>
+          <p:cNvPr id="7" name="Объект 6">
+            <a:extLst>
+              <a:ext uri="{FF2B5EF4-FFF2-40B4-BE49-F238E27FC236}">
+                <a16:creationId xmlns:a16="http://schemas.microsoft.com/office/drawing/2014/main" id="{CECFB80D-04C7-45AB-83A3-4D23A5B32FA6}"/>
+              </a:ext>
+            </a:extLst>
+          </p:cNvPr>
+          <p:cNvSpPr>
+            <a:spLocks noGrp="1"/>
+          </p:cNvSpPr>
+          <p:nvPr>
+            <p:ph idx="1"/>
+          </p:nvPr>
+        </p:nvSpPr>
+        <p:spPr/>
+        <p:txBody>
+          <a:bodyPr/>
+          <a:lstStyle/>
+          <a:p>
+            <a:endParaRPr lang="ru-RU"/>
+          </a:p>
+        </p:txBody>
+      </p:sp>
+      <p:pic>
+        <p:nvPicPr>
+          <p:cNvPr id="9" name="Рисунок 8">
+            <a:extLst>
+              <a:ext uri="{FF2B5EF4-FFF2-40B4-BE49-F238E27FC236}">
+                <a16:creationId xmlns:a16="http://schemas.microsoft.com/office/drawing/2014/main" id="{E97D3EDE-C507-4A2C-BF10-75ECC72A5AEB}"/>
+              </a:ext>
+            </a:extLst>
+          </p:cNvPr>
+          <p:cNvPicPr>
+            <a:picLocks noChangeAspect="1"/>
+          </p:cNvPicPr>
+          <p:nvPr/>
+        </p:nvPicPr>
+        <p:blipFill>
+          <a:blip r:embed="rId2"/>
+          <a:stretch>
+            <a:fillRect/>
+          </a:stretch>
+        </p:blipFill>
+        <p:spPr>
+          <a:xfrm>
+            <a:off x="347472" y="250474"/>
+            <a:ext cx="10102990" cy="6241766"/>
+          </a:xfrm>
+          <a:prstGeom prst="rect">
+            <a:avLst/>
+          </a:prstGeom>
+        </p:spPr>
+      </p:pic>
+    </p:spTree>
+    <p:extLst>
+      <p:ext uri="{BB962C8B-B14F-4D97-AF65-F5344CB8AC3E}">
+        <p14:creationId xmlns:p14="http://schemas.microsoft.com/office/powerpoint/2010/main" val="213684591"/>
+      </p:ext>
+    </p:extLst>
+  </p:cSld>
+  <p:clrMapOvr>
+    <a:masterClrMapping/>
+  </p:clrMapOvr>
+</p:sld>
+</file>
+
+<file path=ppt/slides/slide18.xml><?xml version="1.0" encoding="utf-8"?>
+<p:sld xmlns:a="http://schemas.openxmlformats.org/drawingml/2006/main" xmlns:r="http://schemas.openxmlformats.org/officeDocument/2006/relationships" xmlns:p="http://schemas.openxmlformats.org/presentationml/2006/main">
+  <p:cSld>
+    <p:spTree>
+      <p:nvGrpSpPr>
+        <p:cNvPr id="1" name=""/>
+        <p:cNvGrpSpPr/>
+        <p:nvPr/>
+      </p:nvGrpSpPr>
+      <p:grpSpPr>
+        <a:xfrm>
+          <a:off x="0" y="0"/>
+          <a:ext cx="0" cy="0"/>
+          <a:chOff x="0" y="0"/>
+          <a:chExt cx="0" cy="0"/>
+        </a:xfrm>
+      </p:grpSpPr>
+      <p:sp>
+        <p:nvSpPr>
+          <p:cNvPr id="2" name="Заголовок 1">
+            <a:extLst>
+              <a:ext uri="{FF2B5EF4-FFF2-40B4-BE49-F238E27FC236}">
+                <a16:creationId xmlns:a16="http://schemas.microsoft.com/office/drawing/2014/main" id="{1EC85795-A65D-4FC2-8E74-35AAED6FC75E}"/>
               </a:ext>
             </a:extLst>
           </p:cNvPr>
@@ -3755,7 +4516,7 @@
           <p:cNvPr id="5" name="Объект 4">
             <a:extLst>
               <a:ext uri="{FF2B5EF4-FFF2-40B4-BE49-F238E27FC236}">
-                <a16:creationId xmlns:a16="http://schemas.microsoft.com/office/drawing/2014/main" id="{1D0B6827-8E28-4D6D-A83E-6D71CEFD332E}"/>
+                <a16:creationId xmlns:a16="http://schemas.microsoft.com/office/drawing/2014/main" id="{94C5A44D-1EC9-4599-847B-17955F7242D3}"/>
               </a:ext>
             </a:extLst>
           </p:cNvPr>
@@ -3767,28 +4528,132 @@
           </p:nvPr>
         </p:nvPicPr>
         <p:blipFill>
-          <a:blip r:embed="rId2">
-            <a:extLst>
-              <a:ext uri="{28A0092B-C50C-407E-A947-70E740481C1C}">
-                <a14:useLocalDpi xmlns:a14="http://schemas.microsoft.com/office/drawing/2010/main" val="0"/>
-              </a:ext>
-            </a:extLst>
-          </a:blip>
+          <a:blip r:embed="rId2"/>
           <a:stretch>
             <a:fillRect/>
           </a:stretch>
         </p:blipFill>
         <p:spPr>
           <a:xfrm>
-            <a:off x="490777" y="212035"/>
-            <a:ext cx="10680805" cy="6411940"/>
+            <a:off x="453171" y="1827041"/>
+            <a:ext cx="10634940" cy="3203917"/>
           </a:xfrm>
         </p:spPr>
       </p:pic>
     </p:spTree>
     <p:extLst>
       <p:ext uri="{BB962C8B-B14F-4D97-AF65-F5344CB8AC3E}">
-        <p14:creationId xmlns:p14="http://schemas.microsoft.com/office/powerpoint/2010/main" val="1282695716"/>
+        <p14:creationId xmlns:p14="http://schemas.microsoft.com/office/powerpoint/2010/main" val="1333782153"/>
+      </p:ext>
+    </p:extLst>
+  </p:cSld>
+  <p:clrMapOvr>
+    <a:masterClrMapping/>
+  </p:clrMapOvr>
+</p:sld>
+</file>
+
+<file path=ppt/slides/slide19.xml><?xml version="1.0" encoding="utf-8"?>
+<p:sld xmlns:a="http://schemas.openxmlformats.org/drawingml/2006/main" xmlns:r="http://schemas.openxmlformats.org/officeDocument/2006/relationships" xmlns:p="http://schemas.openxmlformats.org/presentationml/2006/main">
+  <p:cSld>
+    <p:spTree>
+      <p:nvGrpSpPr>
+        <p:cNvPr id="1" name=""/>
+        <p:cNvGrpSpPr/>
+        <p:nvPr/>
+      </p:nvGrpSpPr>
+      <p:grpSpPr>
+        <a:xfrm>
+          <a:off x="0" y="0"/>
+          <a:ext cx="0" cy="0"/>
+          <a:chOff x="0" y="0"/>
+          <a:chExt cx="0" cy="0"/>
+        </a:xfrm>
+      </p:grpSpPr>
+      <p:sp>
+        <p:nvSpPr>
+          <p:cNvPr id="2" name="Заголовок 1">
+            <a:extLst>
+              <a:ext uri="{FF2B5EF4-FFF2-40B4-BE49-F238E27FC236}">
+                <a16:creationId xmlns:a16="http://schemas.microsoft.com/office/drawing/2014/main" id="{3E86DAF1-389A-408F-AFE5-574E39249FB2}"/>
+              </a:ext>
+            </a:extLst>
+          </p:cNvPr>
+          <p:cNvSpPr>
+            <a:spLocks noGrp="1"/>
+          </p:cNvSpPr>
+          <p:nvPr>
+            <p:ph type="title"/>
+          </p:nvPr>
+        </p:nvSpPr>
+        <p:spPr/>
+        <p:txBody>
+          <a:bodyPr/>
+          <a:lstStyle/>
+          <a:p>
+            <a:endParaRPr lang="ru-RU"/>
+          </a:p>
+        </p:txBody>
+      </p:sp>
+      <p:sp>
+        <p:nvSpPr>
+          <p:cNvPr id="3" name="Объект 2">
+            <a:extLst>
+              <a:ext uri="{FF2B5EF4-FFF2-40B4-BE49-F238E27FC236}">
+                <a16:creationId xmlns:a16="http://schemas.microsoft.com/office/drawing/2014/main" id="{6AD61000-F942-40C9-9BFB-0167BF09216C}"/>
+              </a:ext>
+            </a:extLst>
+          </p:cNvPr>
+          <p:cNvSpPr>
+            <a:spLocks noGrp="1"/>
+          </p:cNvSpPr>
+          <p:nvPr>
+            <p:ph idx="1"/>
+          </p:nvPr>
+        </p:nvSpPr>
+        <p:spPr/>
+        <p:txBody>
+          <a:bodyPr/>
+          <a:lstStyle/>
+          <a:p>
+            <a:endParaRPr lang="ru-RU"/>
+          </a:p>
+        </p:txBody>
+      </p:sp>
+      <p:pic>
+        <p:nvPicPr>
+          <p:cNvPr id="5" name="Рисунок 4">
+            <a:extLst>
+              <a:ext uri="{FF2B5EF4-FFF2-40B4-BE49-F238E27FC236}">
+                <a16:creationId xmlns:a16="http://schemas.microsoft.com/office/drawing/2014/main" id="{D1F4F03C-0177-4E4E-8E61-AE03CB372579}"/>
+              </a:ext>
+            </a:extLst>
+          </p:cNvPr>
+          <p:cNvPicPr>
+            <a:picLocks noChangeAspect="1"/>
+          </p:cNvPicPr>
+          <p:nvPr/>
+        </p:nvPicPr>
+        <p:blipFill>
+          <a:blip r:embed="rId2"/>
+          <a:stretch>
+            <a:fillRect/>
+          </a:stretch>
+        </p:blipFill>
+        <p:spPr>
+          <a:xfrm>
+            <a:off x="780731" y="1985761"/>
+            <a:ext cx="9821646" cy="2886478"/>
+          </a:xfrm>
+          <a:prstGeom prst="rect">
+            <a:avLst/>
+          </a:prstGeom>
+        </p:spPr>
+      </p:pic>
+    </p:spTree>
+    <p:extLst>
+      <p:ext uri="{BB962C8B-B14F-4D97-AF65-F5344CB8AC3E}">
+        <p14:creationId xmlns:p14="http://schemas.microsoft.com/office/powerpoint/2010/main" val="3839754715"/>
       </p:ext>
     </p:extLst>
   </p:cSld>
@@ -3883,6 +4748,476 @@
     <p:extLst>
       <p:ext uri="{BB962C8B-B14F-4D97-AF65-F5344CB8AC3E}">
         <p14:creationId xmlns:p14="http://schemas.microsoft.com/office/powerpoint/2010/main" val="152906311"/>
+      </p:ext>
+    </p:extLst>
+  </p:cSld>
+  <p:clrMapOvr>
+    <a:masterClrMapping/>
+  </p:clrMapOvr>
+</p:sld>
+</file>
+
+<file path=ppt/slides/slide20.xml><?xml version="1.0" encoding="utf-8"?>
+<p:sld xmlns:a="http://schemas.openxmlformats.org/drawingml/2006/main" xmlns:r="http://schemas.openxmlformats.org/officeDocument/2006/relationships" xmlns:p="http://schemas.openxmlformats.org/presentationml/2006/main">
+  <p:cSld>
+    <p:spTree>
+      <p:nvGrpSpPr>
+        <p:cNvPr id="1" name=""/>
+        <p:cNvGrpSpPr/>
+        <p:nvPr/>
+      </p:nvGrpSpPr>
+      <p:grpSpPr>
+        <a:xfrm>
+          <a:off x="0" y="0"/>
+          <a:ext cx="0" cy="0"/>
+          <a:chOff x="0" y="0"/>
+          <a:chExt cx="0" cy="0"/>
+        </a:xfrm>
+      </p:grpSpPr>
+      <p:sp>
+        <p:nvSpPr>
+          <p:cNvPr id="2" name="Заголовок 1">
+            <a:extLst>
+              <a:ext uri="{FF2B5EF4-FFF2-40B4-BE49-F238E27FC236}">
+                <a16:creationId xmlns:a16="http://schemas.microsoft.com/office/drawing/2014/main" id="{007D8F62-B526-4249-8F74-83DC5F7C2991}"/>
+              </a:ext>
+            </a:extLst>
+          </p:cNvPr>
+          <p:cNvSpPr>
+            <a:spLocks noGrp="1"/>
+          </p:cNvSpPr>
+          <p:nvPr>
+            <p:ph type="title"/>
+          </p:nvPr>
+        </p:nvSpPr>
+        <p:spPr/>
+        <p:txBody>
+          <a:bodyPr/>
+          <a:lstStyle/>
+          <a:p>
+            <a:endParaRPr lang="ru-RU"/>
+          </a:p>
+        </p:txBody>
+      </p:sp>
+      <p:sp>
+        <p:nvSpPr>
+          <p:cNvPr id="3" name="Объект 2">
+            <a:extLst>
+              <a:ext uri="{FF2B5EF4-FFF2-40B4-BE49-F238E27FC236}">
+                <a16:creationId xmlns:a16="http://schemas.microsoft.com/office/drawing/2014/main" id="{EEE0E9EC-1F03-4E56-9495-024062D04FBA}"/>
+              </a:ext>
+            </a:extLst>
+          </p:cNvPr>
+          <p:cNvSpPr>
+            <a:spLocks noGrp="1"/>
+          </p:cNvSpPr>
+          <p:nvPr>
+            <p:ph idx="1"/>
+          </p:nvPr>
+        </p:nvSpPr>
+        <p:spPr/>
+        <p:txBody>
+          <a:bodyPr/>
+          <a:lstStyle/>
+          <a:p>
+            <a:endParaRPr lang="ru-RU"/>
+          </a:p>
+        </p:txBody>
+      </p:sp>
+      <p:pic>
+        <p:nvPicPr>
+          <p:cNvPr id="5" name="Рисунок 4">
+            <a:extLst>
+              <a:ext uri="{FF2B5EF4-FFF2-40B4-BE49-F238E27FC236}">
+                <a16:creationId xmlns:a16="http://schemas.microsoft.com/office/drawing/2014/main" id="{31AA0A22-8AC1-4F9E-9B43-95D5411C4C2E}"/>
+              </a:ext>
+            </a:extLst>
+          </p:cNvPr>
+          <p:cNvPicPr>
+            <a:picLocks noChangeAspect="1"/>
+          </p:cNvPicPr>
+          <p:nvPr/>
+        </p:nvPicPr>
+        <p:blipFill>
+          <a:blip r:embed="rId2"/>
+          <a:stretch>
+            <a:fillRect/>
+          </a:stretch>
+        </p:blipFill>
+        <p:spPr>
+          <a:xfrm>
+            <a:off x="1008509" y="248791"/>
+            <a:ext cx="9102085" cy="6243449"/>
+          </a:xfrm>
+          <a:prstGeom prst="rect">
+            <a:avLst/>
+          </a:prstGeom>
+        </p:spPr>
+      </p:pic>
+    </p:spTree>
+    <p:extLst>
+      <p:ext uri="{BB962C8B-B14F-4D97-AF65-F5344CB8AC3E}">
+        <p14:creationId xmlns:p14="http://schemas.microsoft.com/office/powerpoint/2010/main" val="2399203839"/>
+      </p:ext>
+    </p:extLst>
+  </p:cSld>
+  <p:clrMapOvr>
+    <a:masterClrMapping/>
+  </p:clrMapOvr>
+</p:sld>
+</file>
+
+<file path=ppt/slides/slide21.xml><?xml version="1.0" encoding="utf-8"?>
+<p:sld xmlns:a="http://schemas.openxmlformats.org/drawingml/2006/main" xmlns:r="http://schemas.openxmlformats.org/officeDocument/2006/relationships" xmlns:p="http://schemas.openxmlformats.org/presentationml/2006/main">
+  <p:cSld>
+    <p:spTree>
+      <p:nvGrpSpPr>
+        <p:cNvPr id="1" name=""/>
+        <p:cNvGrpSpPr/>
+        <p:nvPr/>
+      </p:nvGrpSpPr>
+      <p:grpSpPr>
+        <a:xfrm>
+          <a:off x="0" y="0"/>
+          <a:ext cx="0" cy="0"/>
+          <a:chOff x="0" y="0"/>
+          <a:chExt cx="0" cy="0"/>
+        </a:xfrm>
+      </p:grpSpPr>
+      <p:sp>
+        <p:nvSpPr>
+          <p:cNvPr id="2" name="Заголовок 1">
+            <a:extLst>
+              <a:ext uri="{FF2B5EF4-FFF2-40B4-BE49-F238E27FC236}">
+                <a16:creationId xmlns:a16="http://schemas.microsoft.com/office/drawing/2014/main" id="{17B58EDB-06FD-457C-9CC5-0B3B8A44C8ED}"/>
+              </a:ext>
+            </a:extLst>
+          </p:cNvPr>
+          <p:cNvSpPr>
+            <a:spLocks noGrp="1"/>
+          </p:cNvSpPr>
+          <p:nvPr>
+            <p:ph type="title"/>
+          </p:nvPr>
+        </p:nvSpPr>
+        <p:spPr/>
+        <p:txBody>
+          <a:bodyPr/>
+          <a:lstStyle/>
+          <a:p>
+            <a:endParaRPr lang="ru-RU"/>
+          </a:p>
+        </p:txBody>
+      </p:sp>
+      <p:sp>
+        <p:nvSpPr>
+          <p:cNvPr id="3" name="Объект 2">
+            <a:extLst>
+              <a:ext uri="{FF2B5EF4-FFF2-40B4-BE49-F238E27FC236}">
+                <a16:creationId xmlns:a16="http://schemas.microsoft.com/office/drawing/2014/main" id="{6061D67D-B2DD-45B7-B691-732490A523AA}"/>
+              </a:ext>
+            </a:extLst>
+          </p:cNvPr>
+          <p:cNvSpPr>
+            <a:spLocks noGrp="1"/>
+          </p:cNvSpPr>
+          <p:nvPr>
+            <p:ph idx="1"/>
+          </p:nvPr>
+        </p:nvSpPr>
+        <p:spPr/>
+        <p:txBody>
+          <a:bodyPr/>
+          <a:lstStyle/>
+          <a:p>
+            <a:endParaRPr lang="ru-RU" dirty="0"/>
+          </a:p>
+        </p:txBody>
+      </p:sp>
+      <p:pic>
+        <p:nvPicPr>
+          <p:cNvPr id="5" name="Рисунок 4">
+            <a:extLst>
+              <a:ext uri="{FF2B5EF4-FFF2-40B4-BE49-F238E27FC236}">
+                <a16:creationId xmlns:a16="http://schemas.microsoft.com/office/drawing/2014/main" id="{328E1DCD-9517-4CF9-AABD-CEBF648FBD5E}"/>
+              </a:ext>
+            </a:extLst>
+          </p:cNvPr>
+          <p:cNvPicPr>
+            <a:picLocks noChangeAspect="1"/>
+          </p:cNvPicPr>
+          <p:nvPr/>
+        </p:nvPicPr>
+        <p:blipFill>
+          <a:blip r:embed="rId2"/>
+          <a:stretch>
+            <a:fillRect/>
+          </a:stretch>
+        </p:blipFill>
+        <p:spPr>
+          <a:xfrm>
+            <a:off x="188976" y="136906"/>
+            <a:ext cx="6077712" cy="6584188"/>
+          </a:xfrm>
+          <a:prstGeom prst="rect">
+            <a:avLst/>
+          </a:prstGeom>
+        </p:spPr>
+      </p:pic>
+      <p:pic>
+        <p:nvPicPr>
+          <p:cNvPr id="7" name="Рисунок 6">
+            <a:extLst>
+              <a:ext uri="{FF2B5EF4-FFF2-40B4-BE49-F238E27FC236}">
+                <a16:creationId xmlns:a16="http://schemas.microsoft.com/office/drawing/2014/main" id="{4AC48C33-2D39-4F21-93A5-3407F0EA0D55}"/>
+              </a:ext>
+            </a:extLst>
+          </p:cNvPr>
+          <p:cNvPicPr>
+            <a:picLocks noChangeAspect="1"/>
+          </p:cNvPicPr>
+          <p:nvPr/>
+        </p:nvPicPr>
+        <p:blipFill>
+          <a:blip r:embed="rId3"/>
+          <a:stretch>
+            <a:fillRect/>
+          </a:stretch>
+        </p:blipFill>
+        <p:spPr>
+          <a:xfrm>
+            <a:off x="6096000" y="518406"/>
+            <a:ext cx="4777843" cy="1020270"/>
+          </a:xfrm>
+          <a:prstGeom prst="rect">
+            <a:avLst/>
+          </a:prstGeom>
+        </p:spPr>
+      </p:pic>
+    </p:spTree>
+    <p:extLst>
+      <p:ext uri="{BB962C8B-B14F-4D97-AF65-F5344CB8AC3E}">
+        <p14:creationId xmlns:p14="http://schemas.microsoft.com/office/powerpoint/2010/main" val="3982590344"/>
+      </p:ext>
+    </p:extLst>
+  </p:cSld>
+  <p:clrMapOvr>
+    <a:masterClrMapping/>
+  </p:clrMapOvr>
+</p:sld>
+</file>
+
+<file path=ppt/slides/slide22.xml><?xml version="1.0" encoding="utf-8"?>
+<p:sld xmlns:a="http://schemas.openxmlformats.org/drawingml/2006/main" xmlns:r="http://schemas.openxmlformats.org/officeDocument/2006/relationships" xmlns:p="http://schemas.openxmlformats.org/presentationml/2006/main">
+  <p:cSld>
+    <p:spTree>
+      <p:nvGrpSpPr>
+        <p:cNvPr id="1" name=""/>
+        <p:cNvGrpSpPr/>
+        <p:nvPr/>
+      </p:nvGrpSpPr>
+      <p:grpSpPr>
+        <a:xfrm>
+          <a:off x="0" y="0"/>
+          <a:ext cx="0" cy="0"/>
+          <a:chOff x="0" y="0"/>
+          <a:chExt cx="0" cy="0"/>
+        </a:xfrm>
+      </p:grpSpPr>
+      <p:sp>
+        <p:nvSpPr>
+          <p:cNvPr id="2" name="Заголовок 1">
+            <a:extLst>
+              <a:ext uri="{FF2B5EF4-FFF2-40B4-BE49-F238E27FC236}">
+                <a16:creationId xmlns:a16="http://schemas.microsoft.com/office/drawing/2014/main" id="{37A2130E-BBC8-48FB-B531-1355F07241C5}"/>
+              </a:ext>
+            </a:extLst>
+          </p:cNvPr>
+          <p:cNvSpPr>
+            <a:spLocks noGrp="1"/>
+          </p:cNvSpPr>
+          <p:nvPr>
+            <p:ph type="title"/>
+          </p:nvPr>
+        </p:nvSpPr>
+        <p:spPr/>
+        <p:txBody>
+          <a:bodyPr/>
+          <a:lstStyle/>
+          <a:p>
+            <a:endParaRPr lang="ru-RU"/>
+          </a:p>
+        </p:txBody>
+      </p:sp>
+      <p:sp>
+        <p:nvSpPr>
+          <p:cNvPr id="3" name="Объект 2">
+            <a:extLst>
+              <a:ext uri="{FF2B5EF4-FFF2-40B4-BE49-F238E27FC236}">
+                <a16:creationId xmlns:a16="http://schemas.microsoft.com/office/drawing/2014/main" id="{ECCD601B-F792-430F-B0E0-9F057512D0FF}"/>
+              </a:ext>
+            </a:extLst>
+          </p:cNvPr>
+          <p:cNvSpPr>
+            <a:spLocks noGrp="1"/>
+          </p:cNvSpPr>
+          <p:nvPr>
+            <p:ph idx="1"/>
+          </p:nvPr>
+        </p:nvSpPr>
+        <p:spPr/>
+        <p:txBody>
+          <a:bodyPr/>
+          <a:lstStyle/>
+          <a:p>
+            <a:endParaRPr lang="ru-RU" dirty="0"/>
+          </a:p>
+        </p:txBody>
+      </p:sp>
+      <p:pic>
+        <p:nvPicPr>
+          <p:cNvPr id="5" name="Рисунок 4">
+            <a:extLst>
+              <a:ext uri="{FF2B5EF4-FFF2-40B4-BE49-F238E27FC236}">
+                <a16:creationId xmlns:a16="http://schemas.microsoft.com/office/drawing/2014/main" id="{F8C74FDD-EAC9-4C3D-B454-D63358F2963E}"/>
+              </a:ext>
+            </a:extLst>
+          </p:cNvPr>
+          <p:cNvPicPr>
+            <a:picLocks noChangeAspect="1"/>
+          </p:cNvPicPr>
+          <p:nvPr/>
+        </p:nvPicPr>
+        <p:blipFill>
+          <a:blip r:embed="rId2"/>
+          <a:stretch>
+            <a:fillRect/>
+          </a:stretch>
+        </p:blipFill>
+        <p:spPr>
+          <a:xfrm>
+            <a:off x="0" y="1691322"/>
+            <a:ext cx="11166231" cy="3446585"/>
+          </a:xfrm>
+          <a:prstGeom prst="rect">
+            <a:avLst/>
+          </a:prstGeom>
+        </p:spPr>
+      </p:pic>
+    </p:spTree>
+    <p:extLst>
+      <p:ext uri="{BB962C8B-B14F-4D97-AF65-F5344CB8AC3E}">
+        <p14:creationId xmlns:p14="http://schemas.microsoft.com/office/powerpoint/2010/main" val="4188380059"/>
+      </p:ext>
+    </p:extLst>
+  </p:cSld>
+  <p:clrMapOvr>
+    <a:masterClrMapping/>
+  </p:clrMapOvr>
+</p:sld>
+</file>
+
+<file path=ppt/slides/slide23.xml><?xml version="1.0" encoding="utf-8"?>
+<p:sld xmlns:a="http://schemas.openxmlformats.org/drawingml/2006/main" xmlns:r="http://schemas.openxmlformats.org/officeDocument/2006/relationships" xmlns:p="http://schemas.openxmlformats.org/presentationml/2006/main">
+  <p:cSld>
+    <p:spTree>
+      <p:nvGrpSpPr>
+        <p:cNvPr id="1" name=""/>
+        <p:cNvGrpSpPr/>
+        <p:nvPr/>
+      </p:nvGrpSpPr>
+      <p:grpSpPr>
+        <a:xfrm>
+          <a:off x="0" y="0"/>
+          <a:ext cx="0" cy="0"/>
+          <a:chOff x="0" y="0"/>
+          <a:chExt cx="0" cy="0"/>
+        </a:xfrm>
+      </p:grpSpPr>
+      <p:sp>
+        <p:nvSpPr>
+          <p:cNvPr id="2" name="Заголовок 1">
+            <a:extLst>
+              <a:ext uri="{FF2B5EF4-FFF2-40B4-BE49-F238E27FC236}">
+                <a16:creationId xmlns:a16="http://schemas.microsoft.com/office/drawing/2014/main" id="{D3B5F99A-2090-4C9D-8392-6BE7D4967CA4}"/>
+              </a:ext>
+            </a:extLst>
+          </p:cNvPr>
+          <p:cNvSpPr>
+            <a:spLocks noGrp="1"/>
+          </p:cNvSpPr>
+          <p:nvPr>
+            <p:ph type="title"/>
+          </p:nvPr>
+        </p:nvSpPr>
+        <p:spPr/>
+        <p:txBody>
+          <a:bodyPr/>
+          <a:lstStyle/>
+          <a:p>
+            <a:endParaRPr lang="ru-RU"/>
+          </a:p>
+        </p:txBody>
+      </p:sp>
+      <p:sp>
+        <p:nvSpPr>
+          <p:cNvPr id="3" name="Объект 2">
+            <a:extLst>
+              <a:ext uri="{FF2B5EF4-FFF2-40B4-BE49-F238E27FC236}">
+                <a16:creationId xmlns:a16="http://schemas.microsoft.com/office/drawing/2014/main" id="{89E268AA-6889-419A-99F4-12C1B602EC33}"/>
+              </a:ext>
+            </a:extLst>
+          </p:cNvPr>
+          <p:cNvSpPr>
+            <a:spLocks noGrp="1"/>
+          </p:cNvSpPr>
+          <p:nvPr>
+            <p:ph idx="1"/>
+          </p:nvPr>
+        </p:nvSpPr>
+        <p:spPr/>
+        <p:txBody>
+          <a:bodyPr/>
+          <a:lstStyle/>
+          <a:p>
+            <a:endParaRPr lang="ru-RU"/>
+          </a:p>
+        </p:txBody>
+      </p:sp>
+      <p:pic>
+        <p:nvPicPr>
+          <p:cNvPr id="5" name="Рисунок 4">
+            <a:extLst>
+              <a:ext uri="{FF2B5EF4-FFF2-40B4-BE49-F238E27FC236}">
+                <a16:creationId xmlns:a16="http://schemas.microsoft.com/office/drawing/2014/main" id="{AB12E4EF-9865-45F0-86BC-2EEC53A7819E}"/>
+              </a:ext>
+            </a:extLst>
+          </p:cNvPr>
+          <p:cNvPicPr>
+            <a:picLocks noChangeAspect="1"/>
+          </p:cNvPicPr>
+          <p:nvPr/>
+        </p:nvPicPr>
+        <p:blipFill>
+          <a:blip r:embed="rId2"/>
+          <a:stretch>
+            <a:fillRect/>
+          </a:stretch>
+        </p:blipFill>
+        <p:spPr>
+          <a:xfrm>
+            <a:off x="501071" y="1133154"/>
+            <a:ext cx="10116962" cy="4591691"/>
+          </a:xfrm>
+          <a:prstGeom prst="rect">
+            <a:avLst/>
+          </a:prstGeom>
+        </p:spPr>
+      </p:pic>
+    </p:spTree>
+    <p:extLst>
+      <p:ext uri="{BB962C8B-B14F-4D97-AF65-F5344CB8AC3E}">
+        <p14:creationId xmlns:p14="http://schemas.microsoft.com/office/powerpoint/2010/main" val="620686949"/>
       </p:ext>
     </p:extLst>
   </p:cSld>
@@ -4027,12 +5362,41 @@
           <a:chExt cx="0" cy="0"/>
         </a:xfrm>
       </p:grpSpPr>
+      <p:pic>
+        <p:nvPicPr>
+          <p:cNvPr id="5" name="Объект 4">
+            <a:extLst>
+              <a:ext uri="{FF2B5EF4-FFF2-40B4-BE49-F238E27FC236}">
+                <a16:creationId xmlns:a16="http://schemas.microsoft.com/office/drawing/2014/main" id="{32F1CFED-1ACF-4CB4-AE37-59C7C9919A3C}"/>
+              </a:ext>
+            </a:extLst>
+          </p:cNvPr>
+          <p:cNvPicPr>
+            <a:picLocks noGrp="1" noChangeAspect="1"/>
+          </p:cNvPicPr>
+          <p:nvPr>
+            <p:ph idx="1"/>
+          </p:nvPr>
+        </p:nvPicPr>
+        <p:blipFill>
+          <a:blip r:embed="rId2"/>
+          <a:stretch>
+            <a:fillRect/>
+          </a:stretch>
+        </p:blipFill>
+        <p:spPr>
+          <a:xfrm>
+            <a:off x="1003628" y="598998"/>
+            <a:ext cx="7623538" cy="6202831"/>
+          </a:xfrm>
+        </p:spPr>
+      </p:pic>
       <p:sp>
         <p:nvSpPr>
           <p:cNvPr id="2" name="Заголовок 1">
             <a:extLst>
               <a:ext uri="{FF2B5EF4-FFF2-40B4-BE49-F238E27FC236}">
-                <a16:creationId xmlns:a16="http://schemas.microsoft.com/office/drawing/2014/main" id="{D68898B3-44F0-4936-968B-C3BA819584B4}"/>
+                <a16:creationId xmlns:a16="http://schemas.microsoft.com/office/drawing/2014/main" id="{4152A843-83D5-4843-A69F-AD4333EE6795}"/>
               </a:ext>
             </a:extLst>
           </p:cNvPr>
@@ -4043,78 +5407,19 @@
             <p:ph type="title"/>
           </p:nvPr>
         </p:nvSpPr>
-        <p:spPr/>
+        <p:spPr>
+          <a:xfrm>
+            <a:off x="281211" y="-542828"/>
+            <a:ext cx="5814789" cy="1197997"/>
+          </a:xfrm>
+        </p:spPr>
         <p:txBody>
           <a:bodyPr/>
           <a:lstStyle/>
           <a:p>
             <a:r>
               <a:rPr lang="ru-RU" dirty="0"/>
-              <a:t>Паттерны проектирования</a:t>
-            </a:r>
-          </a:p>
-        </p:txBody>
-      </p:sp>
-      <p:sp>
-        <p:nvSpPr>
-          <p:cNvPr id="3" name="Объект 2">
-            <a:extLst>
-              <a:ext uri="{FF2B5EF4-FFF2-40B4-BE49-F238E27FC236}">
-                <a16:creationId xmlns:a16="http://schemas.microsoft.com/office/drawing/2014/main" id="{58635B83-1CCD-4F15-ACB1-7782539498A9}"/>
-              </a:ext>
-            </a:extLst>
-          </p:cNvPr>
-          <p:cNvSpPr>
-            <a:spLocks noGrp="1"/>
-          </p:cNvSpPr>
-          <p:nvPr>
-            <p:ph idx="1"/>
-          </p:nvPr>
-        </p:nvSpPr>
-        <p:spPr/>
-        <p:txBody>
-          <a:bodyPr/>
-          <a:lstStyle/>
-          <a:p>
-            <a:r>
-              <a:rPr lang="ru-RU" dirty="0"/>
-              <a:t>Адаптер</a:t>
-            </a:r>
-          </a:p>
-          <a:p>
-            <a:r>
-              <a:rPr lang="ru-RU" dirty="0"/>
-              <a:t>Стратегия</a:t>
-            </a:r>
-          </a:p>
-          <a:p>
-            <a:r>
-              <a:rPr lang="ru-RU" dirty="0"/>
-              <a:t>Состояния</a:t>
-            </a:r>
-          </a:p>
-          <a:p>
-            <a:r>
-              <a:rPr lang="ru-RU" dirty="0"/>
-              <a:t>Хранитель</a:t>
-            </a:r>
-          </a:p>
-          <a:p>
-            <a:r>
-              <a:rPr lang="ru-RU" dirty="0"/>
-              <a:t>Команда</a:t>
-            </a:r>
-          </a:p>
-          <a:p>
-            <a:r>
-              <a:rPr lang="ru-RU" dirty="0"/>
-              <a:t>Состояние</a:t>
-            </a:r>
-          </a:p>
-          <a:p>
-            <a:r>
-              <a:rPr lang="ru-RU" dirty="0"/>
-              <a:t>Итератор</a:t>
+              <a:t>Диаграмма классов</a:t>
             </a:r>
           </a:p>
         </p:txBody>
@@ -4122,7 +5427,7 @@
     </p:spTree>
     <p:extLst>
       <p:ext uri="{BB962C8B-B14F-4D97-AF65-F5344CB8AC3E}">
-        <p14:creationId xmlns:p14="http://schemas.microsoft.com/office/powerpoint/2010/main" val="1238520712"/>
+        <p14:creationId xmlns:p14="http://schemas.microsoft.com/office/powerpoint/2010/main" val="1832657654"/>
       </p:ext>
     </p:extLst>
   </p:cSld>
@@ -4154,7 +5459,7 @@
           <p:cNvPr id="2" name="Заголовок 1">
             <a:extLst>
               <a:ext uri="{FF2B5EF4-FFF2-40B4-BE49-F238E27FC236}">
-                <a16:creationId xmlns:a16="http://schemas.microsoft.com/office/drawing/2014/main" id="{805B546E-B340-44D8-82D4-FA5C92B9C1D4}"/>
+                <a16:creationId xmlns:a16="http://schemas.microsoft.com/office/drawing/2014/main" id="{D68898B3-44F0-4936-968B-C3BA819584B4}"/>
               </a:ext>
             </a:extLst>
           </p:cNvPr>
@@ -4172,7 +5477,7 @@
           <a:p>
             <a:r>
               <a:rPr lang="ru-RU" dirty="0"/>
-              <a:t>Управляющие классы</a:t>
+              <a:t>Паттерны проектирования</a:t>
             </a:r>
           </a:p>
         </p:txBody>
@@ -4182,7 +5487,7 @@
           <p:cNvPr id="3" name="Объект 2">
             <a:extLst>
               <a:ext uri="{FF2B5EF4-FFF2-40B4-BE49-F238E27FC236}">
-                <a16:creationId xmlns:a16="http://schemas.microsoft.com/office/drawing/2014/main" id="{DB84EDF3-5009-45A6-984E-C67673470053}"/>
+                <a16:creationId xmlns:a16="http://schemas.microsoft.com/office/drawing/2014/main" id="{58635B83-1CCD-4F15-ACB1-7782539498A9}"/>
               </a:ext>
             </a:extLst>
           </p:cNvPr>
@@ -4199,34 +5504,52 @@
           <a:lstStyle/>
           <a:p>
             <a:r>
-              <a:rPr lang="en-US" dirty="0" err="1"/>
-              <a:t>Widget.h</a:t>
-            </a:r>
-            <a:endParaRPr lang="en-US" dirty="0"/>
-          </a:p>
-          <a:p>
-            <a:r>
-              <a:rPr lang="en-US" dirty="0" err="1"/>
-              <a:t>Shop.h</a:t>
-            </a:r>
-            <a:endParaRPr lang="en-US" dirty="0"/>
-          </a:p>
-          <a:p>
-            <a:r>
-              <a:rPr lang="en-US" dirty="0" err="1"/>
-              <a:t>Strategy.h</a:t>
-            </a:r>
-            <a:endParaRPr lang="en-US" dirty="0"/>
-          </a:p>
-          <a:p>
-            <a:endParaRPr lang="ru-RU" dirty="0"/>
+              <a:rPr lang="ru-RU" dirty="0"/>
+              <a:t>Адаптер</a:t>
+            </a:r>
+          </a:p>
+          <a:p>
+            <a:r>
+              <a:rPr lang="ru-RU" dirty="0"/>
+              <a:t>Стратегия</a:t>
+            </a:r>
+          </a:p>
+          <a:p>
+            <a:r>
+              <a:rPr lang="ru-RU" dirty="0"/>
+              <a:t>Состояния</a:t>
+            </a:r>
+          </a:p>
+          <a:p>
+            <a:r>
+              <a:rPr lang="ru-RU" dirty="0"/>
+              <a:t>Хранитель</a:t>
+            </a:r>
+          </a:p>
+          <a:p>
+            <a:r>
+              <a:rPr lang="ru-RU" dirty="0"/>
+              <a:t>Команда</a:t>
+            </a:r>
+          </a:p>
+          <a:p>
+            <a:r>
+              <a:rPr lang="ru-RU" dirty="0"/>
+              <a:t>Состояние</a:t>
+            </a:r>
+          </a:p>
+          <a:p>
+            <a:r>
+              <a:rPr lang="ru-RU" dirty="0"/>
+              <a:t>Итератор</a:t>
+            </a:r>
           </a:p>
         </p:txBody>
       </p:sp>
     </p:spTree>
     <p:extLst>
       <p:ext uri="{BB962C8B-B14F-4D97-AF65-F5344CB8AC3E}">
-        <p14:creationId xmlns:p14="http://schemas.microsoft.com/office/powerpoint/2010/main" val="1294649007"/>
+        <p14:creationId xmlns:p14="http://schemas.microsoft.com/office/powerpoint/2010/main" val="1238520712"/>
       </p:ext>
     </p:extLst>
   </p:cSld>
@@ -4258,7 +5581,7 @@
           <p:cNvPr id="2" name="Заголовок 1">
             <a:extLst>
               <a:ext uri="{FF2B5EF4-FFF2-40B4-BE49-F238E27FC236}">
-                <a16:creationId xmlns:a16="http://schemas.microsoft.com/office/drawing/2014/main" id="{C3E930C3-1637-4D59-8F0E-E2CAAF9686E4}"/>
+                <a16:creationId xmlns:a16="http://schemas.microsoft.com/office/drawing/2014/main" id="{7951DF87-C5DE-44D7-991C-4A097CDCD871}"/>
               </a:ext>
             </a:extLst>
           </p:cNvPr>
@@ -4274,28 +5597,48 @@
           <a:bodyPr/>
           <a:lstStyle/>
           <a:p>
-            <a:r>
-              <a:rPr lang="ru-RU" dirty="0"/>
-              <a:t>Разработка интерфейса</a:t>
-            </a:r>
+            <a:endParaRPr lang="ru-RU"/>
+          </a:p>
+        </p:txBody>
+      </p:sp>
+      <p:sp>
+        <p:nvSpPr>
+          <p:cNvPr id="3" name="Объект 2">
+            <a:extLst>
+              <a:ext uri="{FF2B5EF4-FFF2-40B4-BE49-F238E27FC236}">
+                <a16:creationId xmlns:a16="http://schemas.microsoft.com/office/drawing/2014/main" id="{3D1F8B1B-50CC-4995-A98C-9C0881CBAF56}"/>
+              </a:ext>
+            </a:extLst>
+          </p:cNvPr>
+          <p:cNvSpPr>
+            <a:spLocks noGrp="1"/>
+          </p:cNvSpPr>
+          <p:nvPr>
+            <p:ph idx="1"/>
+          </p:nvPr>
+        </p:nvSpPr>
+        <p:spPr/>
+        <p:txBody>
+          <a:bodyPr/>
+          <a:lstStyle/>
+          <a:p>
+            <a:endParaRPr lang="ru-RU"/>
           </a:p>
         </p:txBody>
       </p:sp>
       <p:pic>
         <p:nvPicPr>
-          <p:cNvPr id="5" name="Объект 4">
+          <p:cNvPr id="5" name="Рисунок 4">
             <a:extLst>
               <a:ext uri="{FF2B5EF4-FFF2-40B4-BE49-F238E27FC236}">
-                <a16:creationId xmlns:a16="http://schemas.microsoft.com/office/drawing/2014/main" id="{1B4FBA84-EF51-4E23-B3CD-0178602B00F3}"/>
+                <a16:creationId xmlns:a16="http://schemas.microsoft.com/office/drawing/2014/main" id="{C196A203-CB89-4E6A-A379-918892EF55F4}"/>
               </a:ext>
             </a:extLst>
           </p:cNvPr>
           <p:cNvPicPr>
-            <a:picLocks noGrp="1" noChangeAspect="1"/>
+            <a:picLocks noChangeAspect="1"/>
           </p:cNvPicPr>
-          <p:nvPr>
-            <p:ph idx="1"/>
-          </p:nvPr>
+          <p:nvPr/>
         </p:nvPicPr>
         <p:blipFill>
           <a:blip r:embed="rId2"/>
@@ -4305,15 +5648,18 @@
         </p:blipFill>
         <p:spPr>
           <a:xfrm>
-            <a:off x="961602" y="1842051"/>
-            <a:ext cx="9269076" cy="4941559"/>
+            <a:off x="262268" y="677863"/>
+            <a:ext cx="10962324" cy="5502274"/>
           </a:xfrm>
+          <a:prstGeom prst="rect">
+            <a:avLst/>
+          </a:prstGeom>
         </p:spPr>
       </p:pic>
     </p:spTree>
     <p:extLst>
       <p:ext uri="{BB962C8B-B14F-4D97-AF65-F5344CB8AC3E}">
-        <p14:creationId xmlns:p14="http://schemas.microsoft.com/office/powerpoint/2010/main" val="3533305307"/>
+        <p14:creationId xmlns:p14="http://schemas.microsoft.com/office/powerpoint/2010/main" val="207381953"/>
       </p:ext>
     </p:extLst>
   </p:cSld>
@@ -4345,7 +5691,7 @@
           <p:cNvPr id="2" name="Заголовок 1">
             <a:extLst>
               <a:ext uri="{FF2B5EF4-FFF2-40B4-BE49-F238E27FC236}">
-                <a16:creationId xmlns:a16="http://schemas.microsoft.com/office/drawing/2014/main" id="{93D6A111-72E1-4719-A8DF-E1A542FB0A97}"/>
+                <a16:creationId xmlns:a16="http://schemas.microsoft.com/office/drawing/2014/main" id="{987F3C72-4A9E-4425-9669-3C5A94F3A90E}"/>
               </a:ext>
             </a:extLst>
           </p:cNvPr>
@@ -4361,7 +5707,7 @@
           <a:bodyPr/>
           <a:lstStyle/>
           <a:p>
-            <a:endParaRPr lang="ru-RU" dirty="0"/>
+            <a:endParaRPr lang="ru-RU"/>
           </a:p>
         </p:txBody>
       </p:sp>
@@ -4370,7 +5716,7 @@
           <p:cNvPr id="5" name="Объект 4">
             <a:extLst>
               <a:ext uri="{FF2B5EF4-FFF2-40B4-BE49-F238E27FC236}">
-                <a16:creationId xmlns:a16="http://schemas.microsoft.com/office/drawing/2014/main" id="{1E230BBB-07E7-4075-ABDC-635EF318521D}"/>
+                <a16:creationId xmlns:a16="http://schemas.microsoft.com/office/drawing/2014/main" id="{BE9DE1CE-9EE0-49C4-A5A8-965BB57B403E}"/>
               </a:ext>
             </a:extLst>
           </p:cNvPr>
@@ -4382,28 +5728,22 @@
           </p:nvPr>
         </p:nvPicPr>
         <p:blipFill>
-          <a:blip r:embed="rId2">
-            <a:extLst>
-              <a:ext uri="{28A0092B-C50C-407E-A947-70E740481C1C}">
-                <a14:useLocalDpi xmlns:a14="http://schemas.microsoft.com/office/drawing/2010/main" val="0"/>
-              </a:ext>
-            </a:extLst>
-          </a:blip>
+          <a:blip r:embed="rId2"/>
           <a:stretch>
             <a:fillRect/>
           </a:stretch>
         </p:blipFill>
         <p:spPr>
           <a:xfrm>
-            <a:off x="921702" y="530087"/>
-            <a:ext cx="10032810" cy="6034344"/>
+            <a:off x="181643" y="619955"/>
+            <a:ext cx="10930646" cy="5184497"/>
           </a:xfrm>
         </p:spPr>
       </p:pic>
     </p:spTree>
     <p:extLst>
       <p:ext uri="{BB962C8B-B14F-4D97-AF65-F5344CB8AC3E}">
-        <p14:creationId xmlns:p14="http://schemas.microsoft.com/office/powerpoint/2010/main" val="1288365169"/>
+        <p14:creationId xmlns:p14="http://schemas.microsoft.com/office/powerpoint/2010/main" val="1234448572"/>
       </p:ext>
     </p:extLst>
   </p:cSld>
@@ -4435,7 +5775,7 @@
           <p:cNvPr id="2" name="Заголовок 1">
             <a:extLst>
               <a:ext uri="{FF2B5EF4-FFF2-40B4-BE49-F238E27FC236}">
-                <a16:creationId xmlns:a16="http://schemas.microsoft.com/office/drawing/2014/main" id="{8CCD4530-7DD5-4350-A117-6E9F055532CF}"/>
+                <a16:creationId xmlns:a16="http://schemas.microsoft.com/office/drawing/2014/main" id="{14FC958D-9AD6-4A82-A589-57D0B3C81B40}"/>
               </a:ext>
             </a:extLst>
           </p:cNvPr>
@@ -4455,45 +5795,65 @@
           </a:p>
         </p:txBody>
       </p:sp>
+      <p:sp>
+        <p:nvSpPr>
+          <p:cNvPr id="3" name="Объект 2">
+            <a:extLst>
+              <a:ext uri="{FF2B5EF4-FFF2-40B4-BE49-F238E27FC236}">
+                <a16:creationId xmlns:a16="http://schemas.microsoft.com/office/drawing/2014/main" id="{82047C62-3190-49A3-8534-6381F2875D35}"/>
+              </a:ext>
+            </a:extLst>
+          </p:cNvPr>
+          <p:cNvSpPr>
+            <a:spLocks noGrp="1"/>
+          </p:cNvSpPr>
+          <p:nvPr>
+            <p:ph idx="1"/>
+          </p:nvPr>
+        </p:nvSpPr>
+        <p:spPr/>
+        <p:txBody>
+          <a:bodyPr/>
+          <a:lstStyle/>
+          <a:p>
+            <a:endParaRPr lang="ru-RU"/>
+          </a:p>
+        </p:txBody>
+      </p:sp>
       <p:pic>
         <p:nvPicPr>
-          <p:cNvPr id="5" name="Объект 4">
+          <p:cNvPr id="5" name="Рисунок 4">
             <a:extLst>
               <a:ext uri="{FF2B5EF4-FFF2-40B4-BE49-F238E27FC236}">
-                <a16:creationId xmlns:a16="http://schemas.microsoft.com/office/drawing/2014/main" id="{78DE496E-6F37-430C-8E3D-FA27CEF3EBBC}"/>
+                <a16:creationId xmlns:a16="http://schemas.microsoft.com/office/drawing/2014/main" id="{A981BB4C-E8B0-4A17-B00E-3113387273AA}"/>
               </a:ext>
             </a:extLst>
           </p:cNvPr>
           <p:cNvPicPr>
-            <a:picLocks noGrp="1" noChangeAspect="1"/>
+            <a:picLocks noChangeAspect="1"/>
           </p:cNvPicPr>
-          <p:nvPr>
-            <p:ph idx="1"/>
-          </p:nvPr>
+          <p:nvPr/>
         </p:nvPicPr>
         <p:blipFill>
-          <a:blip r:embed="rId2">
-            <a:extLst>
-              <a:ext uri="{28A0092B-C50C-407E-A947-70E740481C1C}">
-                <a14:useLocalDpi xmlns:a14="http://schemas.microsoft.com/office/drawing/2010/main" val="0"/>
-              </a:ext>
-            </a:extLst>
-          </a:blip>
+          <a:blip r:embed="rId2"/>
           <a:stretch>
             <a:fillRect/>
           </a:stretch>
         </p:blipFill>
         <p:spPr>
           <a:xfrm>
-            <a:off x="723569" y="622851"/>
-            <a:ext cx="10002071" cy="5965579"/>
+            <a:off x="311127" y="677863"/>
+            <a:ext cx="10904245" cy="5502274"/>
           </a:xfrm>
+          <a:prstGeom prst="rect">
+            <a:avLst/>
+          </a:prstGeom>
         </p:spPr>
       </p:pic>
     </p:spTree>
     <p:extLst>
       <p:ext uri="{BB962C8B-B14F-4D97-AF65-F5344CB8AC3E}">
-        <p14:creationId xmlns:p14="http://schemas.microsoft.com/office/powerpoint/2010/main" val="213684591"/>
+        <p14:creationId xmlns:p14="http://schemas.microsoft.com/office/powerpoint/2010/main" val="1804224425"/>
       </p:ext>
     </p:extLst>
   </p:cSld>
@@ -4525,7 +5885,7 @@
           <p:cNvPr id="2" name="Заголовок 1">
             <a:extLst>
               <a:ext uri="{FF2B5EF4-FFF2-40B4-BE49-F238E27FC236}">
-                <a16:creationId xmlns:a16="http://schemas.microsoft.com/office/drawing/2014/main" id="{2AA23AC7-CF4B-408A-B315-F9CA309CABC5}"/>
+                <a16:creationId xmlns:a16="http://schemas.microsoft.com/office/drawing/2014/main" id="{8BBD0304-AB95-4502-8AE3-8298D76215C8}"/>
               </a:ext>
             </a:extLst>
           </p:cNvPr>
@@ -4541,49 +5901,69 @@
           <a:bodyPr/>
           <a:lstStyle/>
           <a:p>
+            <a:endParaRPr lang="ru-RU" dirty="0"/>
+          </a:p>
+        </p:txBody>
+      </p:sp>
+      <p:sp>
+        <p:nvSpPr>
+          <p:cNvPr id="3" name="Объект 2">
+            <a:extLst>
+              <a:ext uri="{FF2B5EF4-FFF2-40B4-BE49-F238E27FC236}">
+                <a16:creationId xmlns:a16="http://schemas.microsoft.com/office/drawing/2014/main" id="{EFBE9FE2-7466-48A2-AB9B-89D5E4497F3E}"/>
+              </a:ext>
+            </a:extLst>
+          </p:cNvPr>
+          <p:cNvSpPr>
+            <a:spLocks noGrp="1"/>
+          </p:cNvSpPr>
+          <p:nvPr>
+            <p:ph idx="1"/>
+          </p:nvPr>
+        </p:nvSpPr>
+        <p:spPr/>
+        <p:txBody>
+          <a:bodyPr/>
+          <a:lstStyle/>
+          <a:p>
             <a:endParaRPr lang="ru-RU"/>
           </a:p>
         </p:txBody>
       </p:sp>
       <p:pic>
         <p:nvPicPr>
-          <p:cNvPr id="5" name="Объект 4">
+          <p:cNvPr id="5" name="Рисунок 4">
             <a:extLst>
               <a:ext uri="{FF2B5EF4-FFF2-40B4-BE49-F238E27FC236}">
-                <a16:creationId xmlns:a16="http://schemas.microsoft.com/office/drawing/2014/main" id="{49B38BD8-7C8A-405B-B8A2-2DF6D54A29B0}"/>
+                <a16:creationId xmlns:a16="http://schemas.microsoft.com/office/drawing/2014/main" id="{337B9B55-380A-4E42-B505-EEF771566034}"/>
               </a:ext>
             </a:extLst>
           </p:cNvPr>
           <p:cNvPicPr>
-            <a:picLocks noGrp="1" noChangeAspect="1"/>
+            <a:picLocks noChangeAspect="1"/>
           </p:cNvPicPr>
-          <p:nvPr>
-            <p:ph idx="1"/>
-          </p:nvPr>
+          <p:nvPr/>
         </p:nvPicPr>
         <p:blipFill>
-          <a:blip r:embed="rId2">
-            <a:extLst>
-              <a:ext uri="{28A0092B-C50C-407E-A947-70E740481C1C}">
-                <a14:useLocalDpi xmlns:a14="http://schemas.microsoft.com/office/drawing/2010/main" val="0"/>
-              </a:ext>
-            </a:extLst>
-          </a:blip>
+          <a:blip r:embed="rId2"/>
           <a:stretch>
             <a:fillRect/>
           </a:stretch>
         </p:blipFill>
         <p:spPr>
           <a:xfrm>
-            <a:off x="518558" y="365760"/>
-            <a:ext cx="10435954" cy="6290164"/>
+            <a:off x="124558" y="908436"/>
+            <a:ext cx="11067301" cy="5041127"/>
           </a:xfrm>
+          <a:prstGeom prst="rect">
+            <a:avLst/>
+          </a:prstGeom>
         </p:spPr>
       </p:pic>
     </p:spTree>
     <p:extLst>
       <p:ext uri="{BB962C8B-B14F-4D97-AF65-F5344CB8AC3E}">
-        <p14:creationId xmlns:p14="http://schemas.microsoft.com/office/powerpoint/2010/main" val="3251892366"/>
+        <p14:creationId xmlns:p14="http://schemas.microsoft.com/office/powerpoint/2010/main" val="2980140018"/>
       </p:ext>
     </p:extLst>
   </p:cSld>

--- a/5 сем/ООП Курсач/курсовая.pptx
+++ b/5 сем/ООП Курсач/курсовая.pptx
@@ -302,7 +302,7 @@
           <a:p>
             <a:fld id="{421CB480-6169-4A98-92D1-01C9250D5A53}" type="datetimeFigureOut">
               <a:rPr lang="ru-RU" smtClean="0"/>
-              <a:t>18.12.2023</a:t>
+              <a:t>19.12.2023</a:t>
             </a:fld>
             <a:endParaRPr lang="ru-RU"/>
           </a:p>
@@ -530,7 +530,7 @@
           <a:p>
             <a:fld id="{421CB480-6169-4A98-92D1-01C9250D5A53}" type="datetimeFigureOut">
               <a:rPr lang="ru-RU" smtClean="0"/>
-              <a:t>18.12.2023</a:t>
+              <a:t>19.12.2023</a:t>
             </a:fld>
             <a:endParaRPr lang="ru-RU"/>
           </a:p>
@@ -710,7 +710,7 @@
           <a:p>
             <a:fld id="{421CB480-6169-4A98-92D1-01C9250D5A53}" type="datetimeFigureOut">
               <a:rPr lang="ru-RU" smtClean="0"/>
-              <a:t>18.12.2023</a:t>
+              <a:t>19.12.2023</a:t>
             </a:fld>
             <a:endParaRPr lang="ru-RU"/>
           </a:p>
@@ -880,7 +880,7 @@
           <a:p>
             <a:fld id="{421CB480-6169-4A98-92D1-01C9250D5A53}" type="datetimeFigureOut">
               <a:rPr lang="ru-RU" smtClean="0"/>
-              <a:t>18.12.2023</a:t>
+              <a:t>19.12.2023</a:t>
             </a:fld>
             <a:endParaRPr lang="ru-RU"/>
           </a:p>
@@ -1134,7 +1134,7 @@
           <a:p>
             <a:fld id="{421CB480-6169-4A98-92D1-01C9250D5A53}" type="datetimeFigureOut">
               <a:rPr lang="ru-RU" smtClean="0"/>
-              <a:t>18.12.2023</a:t>
+              <a:t>19.12.2023</a:t>
             </a:fld>
             <a:endParaRPr lang="ru-RU"/>
           </a:p>
@@ -1460,7 +1460,7 @@
           <a:p>
             <a:fld id="{421CB480-6169-4A98-92D1-01C9250D5A53}" type="datetimeFigureOut">
               <a:rPr lang="ru-RU" smtClean="0"/>
-              <a:t>18.12.2023</a:t>
+              <a:t>19.12.2023</a:t>
             </a:fld>
             <a:endParaRPr lang="ru-RU"/>
           </a:p>
@@ -1911,7 +1911,7 @@
           <a:p>
             <a:fld id="{421CB480-6169-4A98-92D1-01C9250D5A53}" type="datetimeFigureOut">
               <a:rPr lang="ru-RU" smtClean="0"/>
-              <a:t>18.12.2023</a:t>
+              <a:t>19.12.2023</a:t>
             </a:fld>
             <a:endParaRPr lang="ru-RU"/>
           </a:p>
@@ -2029,7 +2029,7 @@
           <a:p>
             <a:fld id="{421CB480-6169-4A98-92D1-01C9250D5A53}" type="datetimeFigureOut">
               <a:rPr lang="ru-RU" smtClean="0"/>
-              <a:t>18.12.2023</a:t>
+              <a:t>19.12.2023</a:t>
             </a:fld>
             <a:endParaRPr lang="ru-RU"/>
           </a:p>
@@ -2124,7 +2124,7 @@
           <a:p>
             <a:fld id="{421CB480-6169-4A98-92D1-01C9250D5A53}" type="datetimeFigureOut">
               <a:rPr lang="ru-RU" smtClean="0"/>
-              <a:t>18.12.2023</a:t>
+              <a:t>19.12.2023</a:t>
             </a:fld>
             <a:endParaRPr lang="ru-RU"/>
           </a:p>
@@ -2411,7 +2411,7 @@
           <a:p>
             <a:fld id="{421CB480-6169-4A98-92D1-01C9250D5A53}" type="datetimeFigureOut">
               <a:rPr lang="ru-RU" smtClean="0"/>
-              <a:t>18.12.2023</a:t>
+              <a:t>19.12.2023</a:t>
             </a:fld>
             <a:endParaRPr lang="ru-RU"/>
           </a:p>
@@ -2733,7 +2733,7 @@
           <a:p>
             <a:fld id="{421CB480-6169-4A98-92D1-01C9250D5A53}" type="datetimeFigureOut">
               <a:rPr lang="ru-RU" smtClean="0"/>
-              <a:t>18.12.2023</a:t>
+              <a:t>19.12.2023</a:t>
             </a:fld>
             <a:endParaRPr lang="ru-RU"/>
           </a:p>
@@ -2987,7 +2987,7 @@
           <a:p>
             <a:fld id="{421CB480-6169-4A98-92D1-01C9250D5A53}" type="datetimeFigureOut">
               <a:rPr lang="ru-RU" smtClean="0"/>
-              <a:t>18.12.2023</a:t>
+              <a:t>19.12.2023</a:t>
             </a:fld>
             <a:endParaRPr lang="ru-RU"/>
           </a:p>
@@ -5517,12 +5517,6 @@
           <a:p>
             <a:r>
               <a:rPr lang="ru-RU" dirty="0"/>
-              <a:t>Состояния</a:t>
-            </a:r>
-          </a:p>
-          <a:p>
-            <a:r>
-              <a:rPr lang="ru-RU" dirty="0"/>
               <a:t>Хранитель</a:t>
             </a:r>
           </a:p>
@@ -5539,10 +5533,10 @@
             </a:r>
           </a:p>
           <a:p>
-            <a:r>
-              <a:rPr lang="ru-RU" dirty="0"/>
-              <a:t>Итератор</a:t>
-            </a:r>
+            <a:pPr marL="0" indent="0">
+              <a:buNone/>
+            </a:pPr>
+            <a:endParaRPr lang="ru-RU" dirty="0"/>
           </a:p>
         </p:txBody>
       </p:sp>

--- a/5 сем/ООП Курсач/курсовая.pptx
+++ b/5 сем/ООП Курсач/курсовая.pptx
@@ -302,7 +302,7 @@
           <a:p>
             <a:fld id="{421CB480-6169-4A98-92D1-01C9250D5A53}" type="datetimeFigureOut">
               <a:rPr lang="ru-RU" smtClean="0"/>
-              <a:t>19.12.2023</a:t>
+              <a:t>20.12.2023</a:t>
             </a:fld>
             <a:endParaRPr lang="ru-RU"/>
           </a:p>
@@ -530,7 +530,7 @@
           <a:p>
             <a:fld id="{421CB480-6169-4A98-92D1-01C9250D5A53}" type="datetimeFigureOut">
               <a:rPr lang="ru-RU" smtClean="0"/>
-              <a:t>19.12.2023</a:t>
+              <a:t>20.12.2023</a:t>
             </a:fld>
             <a:endParaRPr lang="ru-RU"/>
           </a:p>
@@ -710,7 +710,7 @@
           <a:p>
             <a:fld id="{421CB480-6169-4A98-92D1-01C9250D5A53}" type="datetimeFigureOut">
               <a:rPr lang="ru-RU" smtClean="0"/>
-              <a:t>19.12.2023</a:t>
+              <a:t>20.12.2023</a:t>
             </a:fld>
             <a:endParaRPr lang="ru-RU"/>
           </a:p>
@@ -880,7 +880,7 @@
           <a:p>
             <a:fld id="{421CB480-6169-4A98-92D1-01C9250D5A53}" type="datetimeFigureOut">
               <a:rPr lang="ru-RU" smtClean="0"/>
-              <a:t>19.12.2023</a:t>
+              <a:t>20.12.2023</a:t>
             </a:fld>
             <a:endParaRPr lang="ru-RU"/>
           </a:p>
@@ -1134,7 +1134,7 @@
           <a:p>
             <a:fld id="{421CB480-6169-4A98-92D1-01C9250D5A53}" type="datetimeFigureOut">
               <a:rPr lang="ru-RU" smtClean="0"/>
-              <a:t>19.12.2023</a:t>
+              <a:t>20.12.2023</a:t>
             </a:fld>
             <a:endParaRPr lang="ru-RU"/>
           </a:p>
@@ -1460,7 +1460,7 @@
           <a:p>
             <a:fld id="{421CB480-6169-4A98-92D1-01C9250D5A53}" type="datetimeFigureOut">
               <a:rPr lang="ru-RU" smtClean="0"/>
-              <a:t>19.12.2023</a:t>
+              <a:t>20.12.2023</a:t>
             </a:fld>
             <a:endParaRPr lang="ru-RU"/>
           </a:p>
@@ -1911,7 +1911,7 @@
           <a:p>
             <a:fld id="{421CB480-6169-4A98-92D1-01C9250D5A53}" type="datetimeFigureOut">
               <a:rPr lang="ru-RU" smtClean="0"/>
-              <a:t>19.12.2023</a:t>
+              <a:t>20.12.2023</a:t>
             </a:fld>
             <a:endParaRPr lang="ru-RU"/>
           </a:p>
@@ -2029,7 +2029,7 @@
           <a:p>
             <a:fld id="{421CB480-6169-4A98-92D1-01C9250D5A53}" type="datetimeFigureOut">
               <a:rPr lang="ru-RU" smtClean="0"/>
-              <a:t>19.12.2023</a:t>
+              <a:t>20.12.2023</a:t>
             </a:fld>
             <a:endParaRPr lang="ru-RU"/>
           </a:p>
@@ -2124,7 +2124,7 @@
           <a:p>
             <a:fld id="{421CB480-6169-4A98-92D1-01C9250D5A53}" type="datetimeFigureOut">
               <a:rPr lang="ru-RU" smtClean="0"/>
-              <a:t>19.12.2023</a:t>
+              <a:t>20.12.2023</a:t>
             </a:fld>
             <a:endParaRPr lang="ru-RU"/>
           </a:p>
@@ -2411,7 +2411,7 @@
           <a:p>
             <a:fld id="{421CB480-6169-4A98-92D1-01C9250D5A53}" type="datetimeFigureOut">
               <a:rPr lang="ru-RU" smtClean="0"/>
-              <a:t>19.12.2023</a:t>
+              <a:t>20.12.2023</a:t>
             </a:fld>
             <a:endParaRPr lang="ru-RU"/>
           </a:p>
@@ -2733,7 +2733,7 @@
           <a:p>
             <a:fld id="{421CB480-6169-4A98-92D1-01C9250D5A53}" type="datetimeFigureOut">
               <a:rPr lang="ru-RU" smtClean="0"/>
-              <a:t>19.12.2023</a:t>
+              <a:t>20.12.2023</a:t>
             </a:fld>
             <a:endParaRPr lang="ru-RU"/>
           </a:p>
@@ -2987,7 +2987,7 @@
           <a:p>
             <a:fld id="{421CB480-6169-4A98-92D1-01C9250D5A53}" type="datetimeFigureOut">
               <a:rPr lang="ru-RU" smtClean="0"/>
-              <a:t>19.12.2023</a:t>
+              <a:t>20.12.2023</a:t>
             </a:fld>
             <a:endParaRPr lang="ru-RU"/>
           </a:p>
@@ -4739,8 +4739,8 @@
         </p:blipFill>
         <p:spPr>
           <a:xfrm>
-            <a:off x="1150514" y="2095138"/>
-            <a:ext cx="9102632" cy="3484027"/>
+            <a:off x="441386" y="1614197"/>
+            <a:ext cx="10871113" cy="4160912"/>
           </a:xfrm>
         </p:spPr>
       </p:pic>
